--- a/src/main/doc/papers/sdot2015.pptx
+++ b/src/main/doc/papers/sdot2015.pptx
@@ -4,6 +4,9 @@
   <p:sldMasterIdLst>
     <p:sldMasterId id="2147483660" r:id="rId1"/>
   </p:sldMasterIdLst>
+  <p:notesMasterIdLst>
+    <p:notesMasterId r:id="rId24"/>
+  </p:notesMasterIdLst>
   <p:sldIdLst>
     <p:sldId id="256" r:id="rId2"/>
     <p:sldId id="257" r:id="rId3"/>
@@ -23,7 +26,10 @@
     <p:sldId id="271" r:id="rId17"/>
     <p:sldId id="272" r:id="rId18"/>
     <p:sldId id="274" r:id="rId19"/>
-    <p:sldId id="275" r:id="rId20"/>
+    <p:sldId id="276" r:id="rId20"/>
+    <p:sldId id="277" r:id="rId21"/>
+    <p:sldId id="275" r:id="rId22"/>
+    <p:sldId id="278" r:id="rId23"/>
   </p:sldIdLst>
   <p:sldSz cx="9144000" cy="6858000" type="screen4x3"/>
   <p:notesSz cx="6858000" cy="9144000"/>
@@ -123,6 +129,1742 @@
     </a:lvl9pPr>
   </p:defaultTextStyle>
 </p:presentation>
+</file>
+
+<file path=ppt/notesMasters/notesMaster1.xml><?xml version="1.0" encoding="utf-8"?>
+<p:notesMaster xmlns:a="http://schemas.openxmlformats.org/drawingml/2006/main" xmlns:r="http://schemas.openxmlformats.org/officeDocument/2006/relationships" xmlns:p="http://schemas.openxmlformats.org/presentationml/2006/main">
+  <p:cSld>
+    <p:bg>
+      <p:bgRef idx="1001">
+        <a:schemeClr val="bg1"/>
+      </p:bgRef>
+    </p:bg>
+    <p:spTree>
+      <p:nvGrpSpPr>
+        <p:cNvPr id="1" name=""/>
+        <p:cNvGrpSpPr/>
+        <p:nvPr/>
+      </p:nvGrpSpPr>
+      <p:grpSpPr>
+        <a:xfrm>
+          <a:off x="0" y="0"/>
+          <a:ext cx="0" cy="0"/>
+          <a:chOff x="0" y="0"/>
+          <a:chExt cx="0" cy="0"/>
+        </a:xfrm>
+      </p:grpSpPr>
+      <p:sp>
+        <p:nvSpPr>
+          <p:cNvPr id="2" name="Header Placeholder 1"/>
+          <p:cNvSpPr>
+            <a:spLocks noGrp="1"/>
+          </p:cNvSpPr>
+          <p:nvPr>
+            <p:ph type="hdr" sz="quarter"/>
+          </p:nvPr>
+        </p:nvSpPr>
+        <p:spPr>
+          <a:xfrm>
+            <a:off x="0" y="0"/>
+            <a:ext cx="2971800" cy="457200"/>
+          </a:xfrm>
+          <a:prstGeom prst="rect">
+            <a:avLst/>
+          </a:prstGeom>
+        </p:spPr>
+        <p:txBody>
+          <a:bodyPr vert="horz" lIns="91440" tIns="45720" rIns="91440" bIns="45720" rtlCol="0"/>
+          <a:lstStyle>
+            <a:lvl1pPr algn="l">
+              <a:defRPr sz="1200"/>
+            </a:lvl1pPr>
+          </a:lstStyle>
+          <a:p>
+            <a:endParaRPr lang="en-US"/>
+          </a:p>
+        </p:txBody>
+      </p:sp>
+      <p:sp>
+        <p:nvSpPr>
+          <p:cNvPr id="3" name="Date Placeholder 2"/>
+          <p:cNvSpPr>
+            <a:spLocks noGrp="1"/>
+          </p:cNvSpPr>
+          <p:nvPr>
+            <p:ph type="dt" idx="1"/>
+          </p:nvPr>
+        </p:nvSpPr>
+        <p:spPr>
+          <a:xfrm>
+            <a:off x="3884613" y="0"/>
+            <a:ext cx="2971800" cy="457200"/>
+          </a:xfrm>
+          <a:prstGeom prst="rect">
+            <a:avLst/>
+          </a:prstGeom>
+        </p:spPr>
+        <p:txBody>
+          <a:bodyPr vert="horz" lIns="91440" tIns="45720" rIns="91440" bIns="45720" rtlCol="0"/>
+          <a:lstStyle>
+            <a:lvl1pPr algn="r">
+              <a:defRPr sz="1200"/>
+            </a:lvl1pPr>
+          </a:lstStyle>
+          <a:p>
+            <a:fld id="{D0AA1769-DD2B-594B-860D-8BE1E76F7C98}" type="datetimeFigureOut">
+              <a:rPr lang="en-US" smtClean="0"/>
+              <a:t>18/11/15</a:t>
+            </a:fld>
+            <a:endParaRPr lang="en-US"/>
+          </a:p>
+        </p:txBody>
+      </p:sp>
+      <p:sp>
+        <p:nvSpPr>
+          <p:cNvPr id="4" name="Slide Image Placeholder 3"/>
+          <p:cNvSpPr>
+            <a:spLocks noGrp="1" noRot="1" noChangeAspect="1"/>
+          </p:cNvSpPr>
+          <p:nvPr>
+            <p:ph type="sldImg" idx="2"/>
+          </p:nvPr>
+        </p:nvSpPr>
+        <p:spPr>
+          <a:xfrm>
+            <a:off x="1143000" y="685800"/>
+            <a:ext cx="4572000" cy="3429000"/>
+          </a:xfrm>
+          <a:prstGeom prst="rect">
+            <a:avLst/>
+          </a:prstGeom>
+          <a:noFill/>
+          <a:ln w="12700">
+            <a:solidFill>
+              <a:prstClr val="black"/>
+            </a:solidFill>
+          </a:ln>
+        </p:spPr>
+        <p:txBody>
+          <a:bodyPr vert="horz" lIns="91440" tIns="45720" rIns="91440" bIns="45720" rtlCol="0" anchor="ctr"/>
+          <a:lstStyle/>
+          <a:p>
+            <a:endParaRPr lang="en-US"/>
+          </a:p>
+        </p:txBody>
+      </p:sp>
+      <p:sp>
+        <p:nvSpPr>
+          <p:cNvPr id="5" name="Notes Placeholder 4"/>
+          <p:cNvSpPr>
+            <a:spLocks noGrp="1"/>
+          </p:cNvSpPr>
+          <p:nvPr>
+            <p:ph type="body" sz="quarter" idx="3"/>
+          </p:nvPr>
+        </p:nvSpPr>
+        <p:spPr>
+          <a:xfrm>
+            <a:off x="685800" y="4343400"/>
+            <a:ext cx="5486400" cy="4114800"/>
+          </a:xfrm>
+          <a:prstGeom prst="rect">
+            <a:avLst/>
+          </a:prstGeom>
+        </p:spPr>
+        <p:txBody>
+          <a:bodyPr vert="horz" lIns="91440" tIns="45720" rIns="91440" bIns="45720" rtlCol="0"/>
+          <a:lstStyle/>
+          <a:p>
+            <a:pPr lvl="0"/>
+            <a:r>
+              <a:rPr lang="cs-CZ" smtClean="0"/>
+              <a:t>Click to edit Master text styles</a:t>
+            </a:r>
+          </a:p>
+          <a:p>
+            <a:pPr lvl="1"/>
+            <a:r>
+              <a:rPr lang="cs-CZ" smtClean="0"/>
+              <a:t>Second level</a:t>
+            </a:r>
+          </a:p>
+          <a:p>
+            <a:pPr lvl="2"/>
+            <a:r>
+              <a:rPr lang="cs-CZ" smtClean="0"/>
+              <a:t>Third level</a:t>
+            </a:r>
+          </a:p>
+          <a:p>
+            <a:pPr lvl="3"/>
+            <a:r>
+              <a:rPr lang="cs-CZ" smtClean="0"/>
+              <a:t>Fourth level</a:t>
+            </a:r>
+          </a:p>
+          <a:p>
+            <a:pPr lvl="4"/>
+            <a:r>
+              <a:rPr lang="cs-CZ" smtClean="0"/>
+              <a:t>Fifth level</a:t>
+            </a:r>
+            <a:endParaRPr lang="en-US"/>
+          </a:p>
+        </p:txBody>
+      </p:sp>
+      <p:sp>
+        <p:nvSpPr>
+          <p:cNvPr id="6" name="Footer Placeholder 5"/>
+          <p:cNvSpPr>
+            <a:spLocks noGrp="1"/>
+          </p:cNvSpPr>
+          <p:nvPr>
+            <p:ph type="ftr" sz="quarter" idx="4"/>
+          </p:nvPr>
+        </p:nvSpPr>
+        <p:spPr>
+          <a:xfrm>
+            <a:off x="0" y="8685213"/>
+            <a:ext cx="2971800" cy="457200"/>
+          </a:xfrm>
+          <a:prstGeom prst="rect">
+            <a:avLst/>
+          </a:prstGeom>
+        </p:spPr>
+        <p:txBody>
+          <a:bodyPr vert="horz" lIns="91440" tIns="45720" rIns="91440" bIns="45720" rtlCol="0" anchor="b"/>
+          <a:lstStyle>
+            <a:lvl1pPr algn="l">
+              <a:defRPr sz="1200"/>
+            </a:lvl1pPr>
+          </a:lstStyle>
+          <a:p>
+            <a:endParaRPr lang="en-US"/>
+          </a:p>
+        </p:txBody>
+      </p:sp>
+      <p:sp>
+        <p:nvSpPr>
+          <p:cNvPr id="7" name="Slide Number Placeholder 6"/>
+          <p:cNvSpPr>
+            <a:spLocks noGrp="1"/>
+          </p:cNvSpPr>
+          <p:nvPr>
+            <p:ph type="sldNum" sz="quarter" idx="5"/>
+          </p:nvPr>
+        </p:nvSpPr>
+        <p:spPr>
+          <a:xfrm>
+            <a:off x="3884613" y="8685213"/>
+            <a:ext cx="2971800" cy="457200"/>
+          </a:xfrm>
+          <a:prstGeom prst="rect">
+            <a:avLst/>
+          </a:prstGeom>
+        </p:spPr>
+        <p:txBody>
+          <a:bodyPr vert="horz" lIns="91440" tIns="45720" rIns="91440" bIns="45720" rtlCol="0" anchor="b"/>
+          <a:lstStyle>
+            <a:lvl1pPr algn="r">
+              <a:defRPr sz="1200"/>
+            </a:lvl1pPr>
+          </a:lstStyle>
+          <a:p>
+            <a:fld id="{CCD58CD7-5E9C-3C4B-932D-50A00EA502BD}" type="slidenum">
+              <a:rPr lang="en-US" smtClean="0"/>
+              <a:t>‹#›</a:t>
+            </a:fld>
+            <a:endParaRPr lang="en-US"/>
+          </a:p>
+        </p:txBody>
+      </p:sp>
+    </p:spTree>
+    <p:extLst>
+      <p:ext uri="{BB962C8B-B14F-4D97-AF65-F5344CB8AC3E}">
+        <p14:creationId xmlns:p14="http://schemas.microsoft.com/office/powerpoint/2010/main" val="1304077930"/>
+      </p:ext>
+    </p:extLst>
+  </p:cSld>
+  <p:clrMap bg1="lt1" tx1="dk1" bg2="lt2" tx2="dk2" accent1="accent1" accent2="accent2" accent3="accent3" accent4="accent4" accent5="accent5" accent6="accent6" hlink="hlink" folHlink="folHlink"/>
+  <p:notesStyle>
+    <a:lvl1pPr marL="0" algn="l" defTabSz="457200" rtl="0" eaLnBrk="1" latinLnBrk="0" hangingPunct="1">
+      <a:defRPr sz="1200" kern="1200">
+        <a:solidFill>
+          <a:schemeClr val="tx1"/>
+        </a:solidFill>
+        <a:latin typeface="+mn-lt"/>
+        <a:ea typeface="+mn-ea"/>
+        <a:cs typeface="+mn-cs"/>
+      </a:defRPr>
+    </a:lvl1pPr>
+    <a:lvl2pPr marL="457200" algn="l" defTabSz="457200" rtl="0" eaLnBrk="1" latinLnBrk="0" hangingPunct="1">
+      <a:defRPr sz="1200" kern="1200">
+        <a:solidFill>
+          <a:schemeClr val="tx1"/>
+        </a:solidFill>
+        <a:latin typeface="+mn-lt"/>
+        <a:ea typeface="+mn-ea"/>
+        <a:cs typeface="+mn-cs"/>
+      </a:defRPr>
+    </a:lvl2pPr>
+    <a:lvl3pPr marL="914400" algn="l" defTabSz="457200" rtl="0" eaLnBrk="1" latinLnBrk="0" hangingPunct="1">
+      <a:defRPr sz="1200" kern="1200">
+        <a:solidFill>
+          <a:schemeClr val="tx1"/>
+        </a:solidFill>
+        <a:latin typeface="+mn-lt"/>
+        <a:ea typeface="+mn-ea"/>
+        <a:cs typeface="+mn-cs"/>
+      </a:defRPr>
+    </a:lvl3pPr>
+    <a:lvl4pPr marL="1371600" algn="l" defTabSz="457200" rtl="0" eaLnBrk="1" latinLnBrk="0" hangingPunct="1">
+      <a:defRPr sz="1200" kern="1200">
+        <a:solidFill>
+          <a:schemeClr val="tx1"/>
+        </a:solidFill>
+        <a:latin typeface="+mn-lt"/>
+        <a:ea typeface="+mn-ea"/>
+        <a:cs typeface="+mn-cs"/>
+      </a:defRPr>
+    </a:lvl4pPr>
+    <a:lvl5pPr marL="1828800" algn="l" defTabSz="457200" rtl="0" eaLnBrk="1" latinLnBrk="0" hangingPunct="1">
+      <a:defRPr sz="1200" kern="1200">
+        <a:solidFill>
+          <a:schemeClr val="tx1"/>
+        </a:solidFill>
+        <a:latin typeface="+mn-lt"/>
+        <a:ea typeface="+mn-ea"/>
+        <a:cs typeface="+mn-cs"/>
+      </a:defRPr>
+    </a:lvl5pPr>
+    <a:lvl6pPr marL="2286000" algn="l" defTabSz="457200" rtl="0" eaLnBrk="1" latinLnBrk="0" hangingPunct="1">
+      <a:defRPr sz="1200" kern="1200">
+        <a:solidFill>
+          <a:schemeClr val="tx1"/>
+        </a:solidFill>
+        <a:latin typeface="+mn-lt"/>
+        <a:ea typeface="+mn-ea"/>
+        <a:cs typeface="+mn-cs"/>
+      </a:defRPr>
+    </a:lvl6pPr>
+    <a:lvl7pPr marL="2743200" algn="l" defTabSz="457200" rtl="0" eaLnBrk="1" latinLnBrk="0" hangingPunct="1">
+      <a:defRPr sz="1200" kern="1200">
+        <a:solidFill>
+          <a:schemeClr val="tx1"/>
+        </a:solidFill>
+        <a:latin typeface="+mn-lt"/>
+        <a:ea typeface="+mn-ea"/>
+        <a:cs typeface="+mn-cs"/>
+      </a:defRPr>
+    </a:lvl7pPr>
+    <a:lvl8pPr marL="3200400" algn="l" defTabSz="457200" rtl="0" eaLnBrk="1" latinLnBrk="0" hangingPunct="1">
+      <a:defRPr sz="1200" kern="1200">
+        <a:solidFill>
+          <a:schemeClr val="tx1"/>
+        </a:solidFill>
+        <a:latin typeface="+mn-lt"/>
+        <a:ea typeface="+mn-ea"/>
+        <a:cs typeface="+mn-cs"/>
+      </a:defRPr>
+    </a:lvl8pPr>
+    <a:lvl9pPr marL="3657600" algn="l" defTabSz="457200" rtl="0" eaLnBrk="1" latinLnBrk="0" hangingPunct="1">
+      <a:defRPr sz="1200" kern="1200">
+        <a:solidFill>
+          <a:schemeClr val="tx1"/>
+        </a:solidFill>
+        <a:latin typeface="+mn-lt"/>
+        <a:ea typeface="+mn-ea"/>
+        <a:cs typeface="+mn-cs"/>
+      </a:defRPr>
+    </a:lvl9pPr>
+  </p:notesStyle>
+</p:notesMaster>
+</file>
+
+<file path=ppt/notesSlides/notesSlide1.xml><?xml version="1.0" encoding="utf-8"?>
+<p:notes xmlns:a="http://schemas.openxmlformats.org/drawingml/2006/main" xmlns:r="http://schemas.openxmlformats.org/officeDocument/2006/relationships" xmlns:p="http://schemas.openxmlformats.org/presentationml/2006/main">
+  <p:cSld>
+    <p:spTree>
+      <p:nvGrpSpPr>
+        <p:cNvPr id="1" name=""/>
+        <p:cNvGrpSpPr/>
+        <p:nvPr/>
+      </p:nvGrpSpPr>
+      <p:grpSpPr>
+        <a:xfrm>
+          <a:off x="0" y="0"/>
+          <a:ext cx="0" cy="0"/>
+          <a:chOff x="0" y="0"/>
+          <a:chExt cx="0" cy="0"/>
+        </a:xfrm>
+      </p:grpSpPr>
+      <p:sp>
+        <p:nvSpPr>
+          <p:cNvPr id="2" name="Slide Image Placeholder 1"/>
+          <p:cNvSpPr>
+            <a:spLocks noGrp="1" noRot="1" noChangeAspect="1"/>
+          </p:cNvSpPr>
+          <p:nvPr>
+            <p:ph type="sldImg"/>
+          </p:nvPr>
+        </p:nvSpPr>
+        <p:spPr/>
+      </p:sp>
+      <p:sp>
+        <p:nvSpPr>
+          <p:cNvPr id="3" name="Notes Placeholder 2"/>
+          <p:cNvSpPr>
+            <a:spLocks noGrp="1"/>
+          </p:cNvSpPr>
+          <p:nvPr>
+            <p:ph type="body" idx="1"/>
+          </p:nvPr>
+        </p:nvSpPr>
+        <p:spPr/>
+        <p:txBody>
+          <a:bodyPr/>
+          <a:lstStyle/>
+          <a:p>
+            <a:r>
+              <a:rPr lang="en-US" dirty="0" smtClean="0"/>
+              <a:t>TODO: Intro</a:t>
+            </a:r>
+          </a:p>
+          <a:p>
+            <a:endParaRPr lang="en-US" dirty="0" smtClean="0"/>
+          </a:p>
+          <a:p>
+            <a:r>
+              <a:rPr lang="en-US" dirty="0" smtClean="0"/>
+              <a:t>Since OOP is a prevailing</a:t>
+            </a:r>
+            <a:r>
+              <a:rPr lang="en-US" baseline="0" dirty="0" smtClean="0"/>
+              <a:t> paradigm in software development it is legitimate to ask how much is OPP able to model protean objects.</a:t>
+            </a:r>
+            <a:endParaRPr lang="en-US" dirty="0"/>
+          </a:p>
+        </p:txBody>
+      </p:sp>
+      <p:sp>
+        <p:nvSpPr>
+          <p:cNvPr id="4" name="Slide Number Placeholder 3"/>
+          <p:cNvSpPr>
+            <a:spLocks noGrp="1"/>
+          </p:cNvSpPr>
+          <p:nvPr>
+            <p:ph type="sldNum" sz="quarter" idx="10"/>
+          </p:nvPr>
+        </p:nvSpPr>
+        <p:spPr/>
+        <p:txBody>
+          <a:bodyPr/>
+          <a:lstStyle/>
+          <a:p>
+            <a:fld id="{CCD58CD7-5E9C-3C4B-932D-50A00EA502BD}" type="slidenum">
+              <a:rPr lang="en-US" smtClean="0"/>
+              <a:t>2</a:t>
+            </a:fld>
+            <a:endParaRPr lang="en-US"/>
+          </a:p>
+        </p:txBody>
+      </p:sp>
+    </p:spTree>
+    <p:extLst>
+      <p:ext uri="{BB962C8B-B14F-4D97-AF65-F5344CB8AC3E}">
+        <p14:creationId xmlns:p14="http://schemas.microsoft.com/office/powerpoint/2010/main" val="940033538"/>
+      </p:ext>
+    </p:extLst>
+  </p:cSld>
+  <p:clrMapOvr>
+    <a:masterClrMapping/>
+  </p:clrMapOvr>
+</p:notes>
+</file>
+
+<file path=ppt/notesSlides/notesSlide10.xml><?xml version="1.0" encoding="utf-8"?>
+<p:notes xmlns:a="http://schemas.openxmlformats.org/drawingml/2006/main" xmlns:r="http://schemas.openxmlformats.org/officeDocument/2006/relationships" xmlns:p="http://schemas.openxmlformats.org/presentationml/2006/main">
+  <p:cSld>
+    <p:spTree>
+      <p:nvGrpSpPr>
+        <p:cNvPr id="1" name=""/>
+        <p:cNvGrpSpPr/>
+        <p:nvPr/>
+      </p:nvGrpSpPr>
+      <p:grpSpPr>
+        <a:xfrm>
+          <a:off x="0" y="0"/>
+          <a:ext cx="0" cy="0"/>
+          <a:chOff x="0" y="0"/>
+          <a:chExt cx="0" cy="0"/>
+        </a:xfrm>
+      </p:grpSpPr>
+      <p:sp>
+        <p:nvSpPr>
+          <p:cNvPr id="2" name="Slide Image Placeholder 1"/>
+          <p:cNvSpPr>
+            <a:spLocks noGrp="1" noRot="1" noChangeAspect="1"/>
+          </p:cNvSpPr>
+          <p:nvPr>
+            <p:ph type="sldImg"/>
+          </p:nvPr>
+        </p:nvSpPr>
+        <p:spPr/>
+      </p:sp>
+      <p:sp>
+        <p:nvSpPr>
+          <p:cNvPr id="3" name="Notes Placeholder 2"/>
+          <p:cNvSpPr>
+            <a:spLocks noGrp="1"/>
+          </p:cNvSpPr>
+          <p:nvPr>
+            <p:ph type="body" idx="1"/>
+          </p:nvPr>
+        </p:nvSpPr>
+        <p:spPr/>
+        <p:txBody>
+          <a:bodyPr/>
+          <a:lstStyle/>
+          <a:p>
+            <a:r>
+              <a:rPr lang="en-US" dirty="0" smtClean="0"/>
+              <a:t>The “with” connector functions</a:t>
+            </a:r>
+            <a:r>
+              <a:rPr lang="en-US" baseline="0" dirty="0" smtClean="0"/>
+              <a:t> as the multiplication operator, while the “or” connector is an analogy to the addition operator.</a:t>
+            </a:r>
+            <a:endParaRPr lang="en-US" dirty="0" smtClean="0"/>
+          </a:p>
+          <a:p>
+            <a:endParaRPr lang="en-US" dirty="0" smtClean="0"/>
+          </a:p>
+          <a:p>
+            <a:r>
+              <a:rPr lang="en-US" dirty="0" smtClean="0"/>
+              <a:t>Thus</a:t>
+            </a:r>
+            <a:r>
+              <a:rPr lang="en-US" baseline="0" dirty="0" smtClean="0"/>
+              <a:t> </a:t>
+            </a:r>
+            <a:r>
+              <a:rPr lang="en-US" dirty="0" smtClean="0"/>
+              <a:t>the morph model expressions can be seen as </a:t>
+            </a:r>
+            <a:r>
+              <a:rPr lang="en-US" baseline="0" dirty="0" smtClean="0"/>
+              <a:t>special algebra </a:t>
+            </a:r>
+            <a:r>
+              <a:rPr lang="en-US" baseline="0" smtClean="0"/>
+              <a:t>formulas having </a:t>
+            </a:r>
+            <a:r>
+              <a:rPr lang="en-US" baseline="0" dirty="0" smtClean="0"/>
+              <a:t>the distributive property.</a:t>
+            </a:r>
+            <a:endParaRPr lang="en-US" dirty="0"/>
+          </a:p>
+        </p:txBody>
+      </p:sp>
+      <p:sp>
+        <p:nvSpPr>
+          <p:cNvPr id="4" name="Slide Number Placeholder 3"/>
+          <p:cNvSpPr>
+            <a:spLocks noGrp="1"/>
+          </p:cNvSpPr>
+          <p:nvPr>
+            <p:ph type="sldNum" sz="quarter" idx="10"/>
+          </p:nvPr>
+        </p:nvSpPr>
+        <p:spPr/>
+        <p:txBody>
+          <a:bodyPr/>
+          <a:lstStyle/>
+          <a:p>
+            <a:fld id="{CCD58CD7-5E9C-3C4B-932D-50A00EA502BD}" type="slidenum">
+              <a:rPr lang="en-US" smtClean="0"/>
+              <a:t>11</a:t>
+            </a:fld>
+            <a:endParaRPr lang="en-US"/>
+          </a:p>
+        </p:txBody>
+      </p:sp>
+    </p:spTree>
+    <p:extLst>
+      <p:ext uri="{BB962C8B-B14F-4D97-AF65-F5344CB8AC3E}">
+        <p14:creationId xmlns:p14="http://schemas.microsoft.com/office/powerpoint/2010/main" val="3285271476"/>
+      </p:ext>
+    </p:extLst>
+  </p:cSld>
+  <p:clrMapOvr>
+    <a:masterClrMapping/>
+  </p:clrMapOvr>
+</p:notes>
+</file>
+
+<file path=ppt/notesSlides/notesSlide11.xml><?xml version="1.0" encoding="utf-8"?>
+<p:notes xmlns:a="http://schemas.openxmlformats.org/drawingml/2006/main" xmlns:r="http://schemas.openxmlformats.org/officeDocument/2006/relationships" xmlns:p="http://schemas.openxmlformats.org/presentationml/2006/main">
+  <p:cSld>
+    <p:spTree>
+      <p:nvGrpSpPr>
+        <p:cNvPr id="1" name=""/>
+        <p:cNvGrpSpPr/>
+        <p:nvPr/>
+      </p:nvGrpSpPr>
+      <p:grpSpPr>
+        <a:xfrm>
+          <a:off x="0" y="0"/>
+          <a:ext cx="0" cy="0"/>
+          <a:chOff x="0" y="0"/>
+          <a:chExt cx="0" cy="0"/>
+        </a:xfrm>
+      </p:grpSpPr>
+      <p:sp>
+        <p:nvSpPr>
+          <p:cNvPr id="2" name="Slide Image Placeholder 1"/>
+          <p:cNvSpPr>
+            <a:spLocks noGrp="1" noRot="1" noChangeAspect="1"/>
+          </p:cNvSpPr>
+          <p:nvPr>
+            <p:ph type="sldImg"/>
+          </p:nvPr>
+        </p:nvSpPr>
+        <p:spPr/>
+      </p:sp>
+      <p:sp>
+        <p:nvSpPr>
+          <p:cNvPr id="3" name="Notes Placeholder 2"/>
+          <p:cNvSpPr>
+            <a:spLocks noGrp="1"/>
+          </p:cNvSpPr>
+          <p:nvPr>
+            <p:ph type="body" idx="1"/>
+          </p:nvPr>
+        </p:nvSpPr>
+        <p:spPr/>
+        <p:txBody>
+          <a:bodyPr/>
+          <a:lstStyle/>
+          <a:p>
+            <a:r>
+              <a:rPr lang="en-US" dirty="0" smtClean="0"/>
+              <a:t>This</a:t>
+            </a:r>
+            <a:r>
+              <a:rPr lang="en-US" baseline="0" dirty="0" smtClean="0"/>
+              <a:t> is not a scar face, but a face model showing muscles influencing one or more facial features.</a:t>
+            </a:r>
+            <a:endParaRPr lang="en-US" dirty="0"/>
+          </a:p>
+        </p:txBody>
+      </p:sp>
+      <p:sp>
+        <p:nvSpPr>
+          <p:cNvPr id="4" name="Slide Number Placeholder 3"/>
+          <p:cNvSpPr>
+            <a:spLocks noGrp="1"/>
+          </p:cNvSpPr>
+          <p:nvPr>
+            <p:ph type="sldNum" sz="quarter" idx="10"/>
+          </p:nvPr>
+        </p:nvSpPr>
+        <p:spPr/>
+        <p:txBody>
+          <a:bodyPr/>
+          <a:lstStyle/>
+          <a:p>
+            <a:fld id="{CCD58CD7-5E9C-3C4B-932D-50A00EA502BD}" type="slidenum">
+              <a:rPr lang="en-US" smtClean="0"/>
+              <a:t>13</a:t>
+            </a:fld>
+            <a:endParaRPr lang="en-US"/>
+          </a:p>
+        </p:txBody>
+      </p:sp>
+    </p:spTree>
+    <p:extLst>
+      <p:ext uri="{BB962C8B-B14F-4D97-AF65-F5344CB8AC3E}">
+        <p14:creationId xmlns:p14="http://schemas.microsoft.com/office/powerpoint/2010/main" val="2224360981"/>
+      </p:ext>
+    </p:extLst>
+  </p:cSld>
+  <p:clrMapOvr>
+    <a:masterClrMapping/>
+  </p:clrMapOvr>
+</p:notes>
+</file>
+
+<file path=ppt/notesSlides/notesSlide12.xml><?xml version="1.0" encoding="utf-8"?>
+<p:notes xmlns:a="http://schemas.openxmlformats.org/drawingml/2006/main" xmlns:r="http://schemas.openxmlformats.org/officeDocument/2006/relationships" xmlns:p="http://schemas.openxmlformats.org/presentationml/2006/main">
+  <p:cSld>
+    <p:spTree>
+      <p:nvGrpSpPr>
+        <p:cNvPr id="1" name=""/>
+        <p:cNvGrpSpPr/>
+        <p:nvPr/>
+      </p:nvGrpSpPr>
+      <p:grpSpPr>
+        <a:xfrm>
+          <a:off x="0" y="0"/>
+          <a:ext cx="0" cy="0"/>
+          <a:chOff x="0" y="0"/>
+          <a:chExt cx="0" cy="0"/>
+        </a:xfrm>
+      </p:grpSpPr>
+      <p:sp>
+        <p:nvSpPr>
+          <p:cNvPr id="2" name="Slide Image Placeholder 1"/>
+          <p:cNvSpPr>
+            <a:spLocks noGrp="1" noRot="1" noChangeAspect="1"/>
+          </p:cNvSpPr>
+          <p:nvPr>
+            <p:ph type="sldImg"/>
+          </p:nvPr>
+        </p:nvSpPr>
+        <p:spPr/>
+      </p:sp>
+      <p:sp>
+        <p:nvSpPr>
+          <p:cNvPr id="3" name="Notes Placeholder 2"/>
+          <p:cNvSpPr>
+            <a:spLocks noGrp="1"/>
+          </p:cNvSpPr>
+          <p:nvPr>
+            <p:ph type="body" idx="1"/>
+          </p:nvPr>
+        </p:nvSpPr>
+        <p:spPr/>
+        <p:txBody>
+          <a:bodyPr/>
+          <a:lstStyle/>
+          <a:p>
+            <a:r>
+              <a:rPr lang="en-US" dirty="0" smtClean="0"/>
+              <a:t>I deliberately omitted</a:t>
+            </a:r>
+            <a:r>
+              <a:rPr lang="en-US" baseline="0" dirty="0" smtClean="0"/>
+              <a:t> wrinkles, nose, cheeks and other features for the sake of simplicity.</a:t>
+            </a:r>
+            <a:endParaRPr lang="en-US" dirty="0"/>
+          </a:p>
+        </p:txBody>
+      </p:sp>
+      <p:sp>
+        <p:nvSpPr>
+          <p:cNvPr id="4" name="Slide Number Placeholder 3"/>
+          <p:cNvSpPr>
+            <a:spLocks noGrp="1"/>
+          </p:cNvSpPr>
+          <p:nvPr>
+            <p:ph type="sldNum" sz="quarter" idx="10"/>
+          </p:nvPr>
+        </p:nvSpPr>
+        <p:spPr/>
+        <p:txBody>
+          <a:bodyPr/>
+          <a:lstStyle/>
+          <a:p>
+            <a:fld id="{CCD58CD7-5E9C-3C4B-932D-50A00EA502BD}" type="slidenum">
+              <a:rPr lang="en-US" smtClean="0"/>
+              <a:t>15</a:t>
+            </a:fld>
+            <a:endParaRPr lang="en-US"/>
+          </a:p>
+        </p:txBody>
+      </p:sp>
+    </p:spTree>
+    <p:extLst>
+      <p:ext uri="{BB962C8B-B14F-4D97-AF65-F5344CB8AC3E}">
+        <p14:creationId xmlns:p14="http://schemas.microsoft.com/office/powerpoint/2010/main" val="484634717"/>
+      </p:ext>
+    </p:extLst>
+  </p:cSld>
+  <p:clrMapOvr>
+    <a:masterClrMapping/>
+  </p:clrMapOvr>
+</p:notes>
+</file>
+
+<file path=ppt/notesSlides/notesSlide2.xml><?xml version="1.0" encoding="utf-8"?>
+<p:notes xmlns:a="http://schemas.openxmlformats.org/drawingml/2006/main" xmlns:r="http://schemas.openxmlformats.org/officeDocument/2006/relationships" xmlns:p="http://schemas.openxmlformats.org/presentationml/2006/main">
+  <p:cSld>
+    <p:spTree>
+      <p:nvGrpSpPr>
+        <p:cNvPr id="1" name=""/>
+        <p:cNvGrpSpPr/>
+        <p:nvPr/>
+      </p:nvGrpSpPr>
+      <p:grpSpPr>
+        <a:xfrm>
+          <a:off x="0" y="0"/>
+          <a:ext cx="0" cy="0"/>
+          <a:chOff x="0" y="0"/>
+          <a:chExt cx="0" cy="0"/>
+        </a:xfrm>
+      </p:grpSpPr>
+      <p:sp>
+        <p:nvSpPr>
+          <p:cNvPr id="2" name="Slide Image Placeholder 1"/>
+          <p:cNvSpPr>
+            <a:spLocks noGrp="1" noRot="1" noChangeAspect="1"/>
+          </p:cNvSpPr>
+          <p:nvPr>
+            <p:ph type="sldImg"/>
+          </p:nvPr>
+        </p:nvSpPr>
+        <p:spPr/>
+      </p:sp>
+      <p:sp>
+        <p:nvSpPr>
+          <p:cNvPr id="3" name="Notes Placeholder 2"/>
+          <p:cNvSpPr>
+            <a:spLocks noGrp="1"/>
+          </p:cNvSpPr>
+          <p:nvPr>
+            <p:ph type="body" idx="1"/>
+          </p:nvPr>
+        </p:nvSpPr>
+        <p:spPr/>
+        <p:txBody>
+          <a:bodyPr/>
+          <a:lstStyle/>
+          <a:p>
+            <a:r>
+              <a:rPr lang="en-US" dirty="0" smtClean="0"/>
+              <a:t>In</a:t>
+            </a:r>
+            <a:r>
+              <a:rPr lang="en-US" baseline="0" dirty="0" smtClean="0"/>
+              <a:t> order to answer this question I tried to develop a simple scenario in three OOP languages:</a:t>
+            </a:r>
+          </a:p>
+          <a:p>
+            <a:r>
+              <a:rPr lang="en-US" baseline="0" dirty="0" smtClean="0"/>
+              <a:t>Java as one of the most popular languages,</a:t>
+            </a:r>
+          </a:p>
+          <a:p>
+            <a:r>
+              <a:rPr lang="en-US" baseline="0" dirty="0" smtClean="0"/>
+              <a:t>Scala as a representative of strongly statically typed languages and</a:t>
+            </a:r>
+          </a:p>
+          <a:p>
+            <a:r>
+              <a:rPr lang="en-US" baseline="0" dirty="0" smtClean="0"/>
+              <a:t>Groovy as a representative of dynamic languages</a:t>
+            </a:r>
+          </a:p>
+          <a:p>
+            <a:endParaRPr lang="en-US" baseline="0" dirty="0" smtClean="0"/>
+          </a:p>
+          <a:p>
+            <a:r>
+              <a:rPr lang="en-US" baseline="0" dirty="0" smtClean="0"/>
+              <a:t>The scenario consists of a hypothetical airport scanner able to recognize object in baggage. It is assumed that the scanner uses two algorithms: one for recognizing material and the other for recognizing the shape.</a:t>
+            </a:r>
+          </a:p>
+          <a:p>
+            <a:endParaRPr lang="en-US" baseline="0" dirty="0" smtClean="0"/>
+          </a:p>
+          <a:p>
+            <a:r>
+              <a:rPr lang="en-US" baseline="0" dirty="0" smtClean="0"/>
+              <a:t>The goal is to develop an application parsing such records and modeling these two-dimensional objects in the selected languages.</a:t>
+            </a:r>
+          </a:p>
+          <a:p>
+            <a:endParaRPr lang="en-US" baseline="0" dirty="0" smtClean="0"/>
+          </a:p>
+        </p:txBody>
+      </p:sp>
+      <p:sp>
+        <p:nvSpPr>
+          <p:cNvPr id="4" name="Slide Number Placeholder 3"/>
+          <p:cNvSpPr>
+            <a:spLocks noGrp="1"/>
+          </p:cNvSpPr>
+          <p:nvPr>
+            <p:ph type="sldNum" sz="quarter" idx="10"/>
+          </p:nvPr>
+        </p:nvSpPr>
+        <p:spPr/>
+        <p:txBody>
+          <a:bodyPr/>
+          <a:lstStyle/>
+          <a:p>
+            <a:fld id="{CCD58CD7-5E9C-3C4B-932D-50A00EA502BD}" type="slidenum">
+              <a:rPr lang="en-US" smtClean="0"/>
+              <a:t>3</a:t>
+            </a:fld>
+            <a:endParaRPr lang="en-US"/>
+          </a:p>
+        </p:txBody>
+      </p:sp>
+    </p:spTree>
+    <p:extLst>
+      <p:ext uri="{BB962C8B-B14F-4D97-AF65-F5344CB8AC3E}">
+        <p14:creationId xmlns:p14="http://schemas.microsoft.com/office/powerpoint/2010/main" val="1884766653"/>
+      </p:ext>
+    </p:extLst>
+  </p:cSld>
+  <p:clrMapOvr>
+    <a:masterClrMapping/>
+  </p:clrMapOvr>
+</p:notes>
+</file>
+
+<file path=ppt/notesSlides/notesSlide3.xml><?xml version="1.0" encoding="utf-8"?>
+<p:notes xmlns:a="http://schemas.openxmlformats.org/drawingml/2006/main" xmlns:r="http://schemas.openxmlformats.org/officeDocument/2006/relationships" xmlns:p="http://schemas.openxmlformats.org/presentationml/2006/main">
+  <p:cSld>
+    <p:spTree>
+      <p:nvGrpSpPr>
+        <p:cNvPr id="1" name=""/>
+        <p:cNvGrpSpPr/>
+        <p:nvPr/>
+      </p:nvGrpSpPr>
+      <p:grpSpPr>
+        <a:xfrm>
+          <a:off x="0" y="0"/>
+          <a:ext cx="0" cy="0"/>
+          <a:chOff x="0" y="0"/>
+          <a:chExt cx="0" cy="0"/>
+        </a:xfrm>
+      </p:grpSpPr>
+      <p:sp>
+        <p:nvSpPr>
+          <p:cNvPr id="2" name="Slide Image Placeholder 1"/>
+          <p:cNvSpPr>
+            <a:spLocks noGrp="1" noRot="1" noChangeAspect="1"/>
+          </p:cNvSpPr>
+          <p:nvPr>
+            <p:ph type="sldImg"/>
+          </p:nvPr>
+        </p:nvSpPr>
+        <p:spPr/>
+      </p:sp>
+      <p:sp>
+        <p:nvSpPr>
+          <p:cNvPr id="3" name="Notes Placeholder 2"/>
+          <p:cNvSpPr>
+            <a:spLocks noGrp="1"/>
+          </p:cNvSpPr>
+          <p:nvPr>
+            <p:ph type="body" idx="1"/>
+          </p:nvPr>
+        </p:nvSpPr>
+        <p:spPr/>
+        <p:txBody>
+          <a:bodyPr/>
+          <a:lstStyle/>
+          <a:p>
+            <a:r>
+              <a:rPr lang="en-US" dirty="0" smtClean="0"/>
+              <a:t>Now</a:t>
+            </a:r>
+            <a:r>
+              <a:rPr lang="en-US" baseline="0" dirty="0" smtClean="0"/>
+              <a:t> I am going to briefly summarize the outcome of the case study for each language.</a:t>
+            </a:r>
+          </a:p>
+          <a:p>
+            <a:endParaRPr lang="en-US" baseline="0" dirty="0" smtClean="0"/>
+          </a:p>
+          <a:p>
+            <a:r>
+              <a:rPr lang="en-US" baseline="0" dirty="0" smtClean="0"/>
+              <a:t>Delegation and composition hide the actual type of the modeled baggage item -&gt; </a:t>
+            </a:r>
+            <a:r>
+              <a:rPr lang="en-US" baseline="0" dirty="0" err="1" smtClean="0"/>
+              <a:t>instanceof</a:t>
+            </a:r>
+            <a:r>
+              <a:rPr lang="en-US" baseline="0" dirty="0" smtClean="0"/>
+              <a:t> cannot be used to determine the type</a:t>
+            </a:r>
+          </a:p>
+        </p:txBody>
+      </p:sp>
+      <p:sp>
+        <p:nvSpPr>
+          <p:cNvPr id="4" name="Slide Number Placeholder 3"/>
+          <p:cNvSpPr>
+            <a:spLocks noGrp="1"/>
+          </p:cNvSpPr>
+          <p:nvPr>
+            <p:ph type="sldNum" sz="quarter" idx="10"/>
+          </p:nvPr>
+        </p:nvSpPr>
+        <p:spPr/>
+        <p:txBody>
+          <a:bodyPr/>
+          <a:lstStyle/>
+          <a:p>
+            <a:fld id="{CCD58CD7-5E9C-3C4B-932D-50A00EA502BD}" type="slidenum">
+              <a:rPr lang="en-US" smtClean="0"/>
+              <a:t>4</a:t>
+            </a:fld>
+            <a:endParaRPr lang="en-US"/>
+          </a:p>
+        </p:txBody>
+      </p:sp>
+    </p:spTree>
+    <p:extLst>
+      <p:ext uri="{BB962C8B-B14F-4D97-AF65-F5344CB8AC3E}">
+        <p14:creationId xmlns:p14="http://schemas.microsoft.com/office/powerpoint/2010/main" val="2146284521"/>
+      </p:ext>
+    </p:extLst>
+  </p:cSld>
+  <p:clrMapOvr>
+    <a:masterClrMapping/>
+  </p:clrMapOvr>
+</p:notes>
+</file>
+
+<file path=ppt/notesSlides/notesSlide4.xml><?xml version="1.0" encoding="utf-8"?>
+<p:notes xmlns:a="http://schemas.openxmlformats.org/drawingml/2006/main" xmlns:r="http://schemas.openxmlformats.org/officeDocument/2006/relationships" xmlns:p="http://schemas.openxmlformats.org/presentationml/2006/main">
+  <p:cSld>
+    <p:spTree>
+      <p:nvGrpSpPr>
+        <p:cNvPr id="1" name=""/>
+        <p:cNvGrpSpPr/>
+        <p:nvPr/>
+      </p:nvGrpSpPr>
+      <p:grpSpPr>
+        <a:xfrm>
+          <a:off x="0" y="0"/>
+          <a:ext cx="0" cy="0"/>
+          <a:chOff x="0" y="0"/>
+          <a:chExt cx="0" cy="0"/>
+        </a:xfrm>
+      </p:grpSpPr>
+      <p:sp>
+        <p:nvSpPr>
+          <p:cNvPr id="2" name="Slide Image Placeholder 1"/>
+          <p:cNvSpPr>
+            <a:spLocks noGrp="1" noRot="1" noChangeAspect="1"/>
+          </p:cNvSpPr>
+          <p:nvPr>
+            <p:ph type="sldImg"/>
+          </p:nvPr>
+        </p:nvSpPr>
+        <p:spPr/>
+      </p:sp>
+      <p:sp>
+        <p:nvSpPr>
+          <p:cNvPr id="3" name="Notes Placeholder 2"/>
+          <p:cNvSpPr>
+            <a:spLocks noGrp="1"/>
+          </p:cNvSpPr>
+          <p:nvPr>
+            <p:ph type="body" idx="1"/>
+          </p:nvPr>
+        </p:nvSpPr>
+        <p:spPr/>
+        <p:txBody>
+          <a:bodyPr/>
+          <a:lstStyle/>
+          <a:p>
+            <a:r>
+              <a:rPr lang="en-US" dirty="0" smtClean="0"/>
+              <a:t>Scala comes</a:t>
+            </a:r>
+            <a:r>
+              <a:rPr lang="en-US" baseline="0" dirty="0" smtClean="0"/>
+              <a:t> up with the concept of traits, which is something between composition and inheritance.</a:t>
+            </a:r>
+          </a:p>
+          <a:p>
+            <a:endParaRPr lang="en-US" baseline="0" dirty="0" smtClean="0"/>
+          </a:p>
+          <a:p>
+            <a:r>
+              <a:rPr lang="en-US" baseline="0" dirty="0" smtClean="0"/>
+              <a:t>It allows to avoid the problems mentioned previously. However, there is a big problem concerning the multidimensionality of the modeled objects.</a:t>
+            </a:r>
+          </a:p>
+          <a:p>
+            <a:r>
+              <a:rPr lang="en-US" baseline="0" dirty="0" smtClean="0"/>
+              <a:t>For each combination there must be a class declaration.</a:t>
+            </a:r>
+          </a:p>
+        </p:txBody>
+      </p:sp>
+      <p:sp>
+        <p:nvSpPr>
+          <p:cNvPr id="4" name="Slide Number Placeholder 3"/>
+          <p:cNvSpPr>
+            <a:spLocks noGrp="1"/>
+          </p:cNvSpPr>
+          <p:nvPr>
+            <p:ph type="sldNum" sz="quarter" idx="10"/>
+          </p:nvPr>
+        </p:nvSpPr>
+        <p:spPr/>
+        <p:txBody>
+          <a:bodyPr/>
+          <a:lstStyle/>
+          <a:p>
+            <a:fld id="{CCD58CD7-5E9C-3C4B-932D-50A00EA502BD}" type="slidenum">
+              <a:rPr lang="en-US" smtClean="0"/>
+              <a:t>5</a:t>
+            </a:fld>
+            <a:endParaRPr lang="en-US"/>
+          </a:p>
+        </p:txBody>
+      </p:sp>
+    </p:spTree>
+    <p:extLst>
+      <p:ext uri="{BB962C8B-B14F-4D97-AF65-F5344CB8AC3E}">
+        <p14:creationId xmlns:p14="http://schemas.microsoft.com/office/powerpoint/2010/main" val="3469032718"/>
+      </p:ext>
+    </p:extLst>
+  </p:cSld>
+  <p:clrMapOvr>
+    <a:masterClrMapping/>
+  </p:clrMapOvr>
+</p:notes>
+</file>
+
+<file path=ppt/notesSlides/notesSlide5.xml><?xml version="1.0" encoding="utf-8"?>
+<p:notes xmlns:a="http://schemas.openxmlformats.org/drawingml/2006/main" xmlns:r="http://schemas.openxmlformats.org/officeDocument/2006/relationships" xmlns:p="http://schemas.openxmlformats.org/presentationml/2006/main">
+  <p:cSld>
+    <p:spTree>
+      <p:nvGrpSpPr>
+        <p:cNvPr id="1" name=""/>
+        <p:cNvGrpSpPr/>
+        <p:nvPr/>
+      </p:nvGrpSpPr>
+      <p:grpSpPr>
+        <a:xfrm>
+          <a:off x="0" y="0"/>
+          <a:ext cx="0" cy="0"/>
+          <a:chOff x="0" y="0"/>
+          <a:chExt cx="0" cy="0"/>
+        </a:xfrm>
+      </p:grpSpPr>
+      <p:sp>
+        <p:nvSpPr>
+          <p:cNvPr id="2" name="Slide Image Placeholder 1"/>
+          <p:cNvSpPr>
+            <a:spLocks noGrp="1" noRot="1" noChangeAspect="1"/>
+          </p:cNvSpPr>
+          <p:nvPr>
+            <p:ph type="sldImg"/>
+          </p:nvPr>
+        </p:nvSpPr>
+        <p:spPr/>
+      </p:sp>
+      <p:sp>
+        <p:nvSpPr>
+          <p:cNvPr id="3" name="Notes Placeholder 2"/>
+          <p:cNvSpPr>
+            <a:spLocks noGrp="1"/>
+          </p:cNvSpPr>
+          <p:nvPr>
+            <p:ph type="body" idx="1"/>
+          </p:nvPr>
+        </p:nvSpPr>
+        <p:spPr/>
+        <p:txBody>
+          <a:bodyPr/>
+          <a:lstStyle/>
+          <a:p>
+            <a:r>
+              <a:rPr lang="en-US" dirty="0" smtClean="0"/>
+              <a:t>Let us</a:t>
+            </a:r>
+            <a:r>
+              <a:rPr lang="en-US" baseline="0" dirty="0" smtClean="0"/>
+              <a:t> turn our attention to </a:t>
+            </a:r>
+            <a:r>
+              <a:rPr lang="en-US" dirty="0" smtClean="0"/>
+              <a:t>Groov</a:t>
+            </a:r>
+            <a:r>
+              <a:rPr lang="en-US" baseline="0" dirty="0" smtClean="0"/>
+              <a:t>y. It is a representative from the opposite side of the spectrum. It is a weakly typed dynamic language offering one feature that is very important for our purpose: dynamic traits.</a:t>
+            </a:r>
+          </a:p>
+          <a:p>
+            <a:r>
+              <a:rPr lang="en-US" baseline="0" dirty="0" smtClean="0"/>
+              <a:t>They allow to attach selected traits at run-time to the target objects.</a:t>
+            </a:r>
+          </a:p>
+          <a:p>
+            <a:endParaRPr lang="en-US" baseline="0" dirty="0" smtClean="0"/>
+          </a:p>
+          <a:p>
+            <a:r>
+              <a:rPr lang="en-US" baseline="0" dirty="0" smtClean="0"/>
+              <a:t>It really solves all previously mentioned problems, however, other problems are looming.</a:t>
+            </a:r>
+          </a:p>
+          <a:p>
+            <a:endParaRPr lang="en-US" baseline="0" dirty="0" smtClean="0"/>
+          </a:p>
+          <a:p>
+            <a:r>
+              <a:rPr lang="en-US" baseline="0" dirty="0" smtClean="0"/>
+              <a:t>The conclusion is: Traits are exactly the feature that is necessary to model the protean objects. </a:t>
+            </a:r>
+          </a:p>
+          <a:p>
+            <a:r>
+              <a:rPr lang="en-US" baseline="0" dirty="0" smtClean="0"/>
+              <a:t>Therefore, since the absence of traits Java is not suitable for this kind of applications. </a:t>
+            </a:r>
+          </a:p>
+          <a:p>
+            <a:r>
+              <a:rPr lang="en-US" baseline="0" dirty="0" smtClean="0"/>
+              <a:t>As far as Scala is concerned, the exponential explosion of class declarations is virtually prohibitive.</a:t>
+            </a:r>
+          </a:p>
+          <a:p>
+            <a:r>
+              <a:rPr lang="en-US" baseline="0" dirty="0" smtClean="0"/>
+              <a:t>And in terms of Groovy, because of the absence of the trait consistency check it is unusable as well.</a:t>
+            </a:r>
+          </a:p>
+          <a:p>
+            <a:endParaRPr lang="en-US" baseline="0" dirty="0" smtClean="0"/>
+          </a:p>
+          <a:p>
+            <a:r>
+              <a:rPr lang="en-US" baseline="0" dirty="0" smtClean="0"/>
+              <a:t>It seem there is a gap between the two worlds: the static and dynamic ones. And it seems that the modeling of protean objects falls into this gap.</a:t>
+            </a:r>
+          </a:p>
+          <a:p>
+            <a:r>
+              <a:rPr lang="en-US" baseline="0" dirty="0" smtClean="0"/>
+              <a:t>And it is this gap, which is addressed by the concept of Object Metamorphism, which I have been developing in my thesis and which I am going to briefly introduce in this presentation.</a:t>
+            </a:r>
+          </a:p>
+          <a:p>
+            <a:endParaRPr lang="en-US" baseline="0" dirty="0" smtClean="0"/>
+          </a:p>
+          <a:p>
+            <a:endParaRPr lang="en-US" baseline="0" dirty="0" smtClean="0"/>
+          </a:p>
+          <a:p>
+            <a:endParaRPr lang="en-US" dirty="0"/>
+          </a:p>
+        </p:txBody>
+      </p:sp>
+      <p:sp>
+        <p:nvSpPr>
+          <p:cNvPr id="4" name="Slide Number Placeholder 3"/>
+          <p:cNvSpPr>
+            <a:spLocks noGrp="1"/>
+          </p:cNvSpPr>
+          <p:nvPr>
+            <p:ph type="sldNum" sz="quarter" idx="10"/>
+          </p:nvPr>
+        </p:nvSpPr>
+        <p:spPr/>
+        <p:txBody>
+          <a:bodyPr/>
+          <a:lstStyle/>
+          <a:p>
+            <a:fld id="{CCD58CD7-5E9C-3C4B-932D-50A00EA502BD}" type="slidenum">
+              <a:rPr lang="en-US" smtClean="0"/>
+              <a:t>6</a:t>
+            </a:fld>
+            <a:endParaRPr lang="en-US"/>
+          </a:p>
+        </p:txBody>
+      </p:sp>
+    </p:spTree>
+    <p:extLst>
+      <p:ext uri="{BB962C8B-B14F-4D97-AF65-F5344CB8AC3E}">
+        <p14:creationId xmlns:p14="http://schemas.microsoft.com/office/powerpoint/2010/main" val="2299495596"/>
+      </p:ext>
+    </p:extLst>
+  </p:cSld>
+  <p:clrMapOvr>
+    <a:masterClrMapping/>
+  </p:clrMapOvr>
+</p:notes>
+</file>
+
+<file path=ppt/notesSlides/notesSlide6.xml><?xml version="1.0" encoding="utf-8"?>
+<p:notes xmlns:a="http://schemas.openxmlformats.org/drawingml/2006/main" xmlns:r="http://schemas.openxmlformats.org/officeDocument/2006/relationships" xmlns:p="http://schemas.openxmlformats.org/presentationml/2006/main">
+  <p:cSld>
+    <p:spTree>
+      <p:nvGrpSpPr>
+        <p:cNvPr id="1" name=""/>
+        <p:cNvGrpSpPr/>
+        <p:nvPr/>
+      </p:nvGrpSpPr>
+      <p:grpSpPr>
+        <a:xfrm>
+          <a:off x="0" y="0"/>
+          <a:ext cx="0" cy="0"/>
+          <a:chOff x="0" y="0"/>
+          <a:chExt cx="0" cy="0"/>
+        </a:xfrm>
+      </p:grpSpPr>
+      <p:sp>
+        <p:nvSpPr>
+          <p:cNvPr id="2" name="Slide Image Placeholder 1"/>
+          <p:cNvSpPr>
+            <a:spLocks noGrp="1" noRot="1" noChangeAspect="1"/>
+          </p:cNvSpPr>
+          <p:nvPr>
+            <p:ph type="sldImg"/>
+          </p:nvPr>
+        </p:nvSpPr>
+        <p:spPr/>
+      </p:sp>
+      <p:sp>
+        <p:nvSpPr>
+          <p:cNvPr id="3" name="Notes Placeholder 2"/>
+          <p:cNvSpPr>
+            <a:spLocks noGrp="1"/>
+          </p:cNvSpPr>
+          <p:nvPr>
+            <p:ph type="body" idx="1"/>
+          </p:nvPr>
+        </p:nvSpPr>
+        <p:spPr/>
+        <p:txBody>
+          <a:bodyPr/>
+          <a:lstStyle/>
+          <a:p>
+            <a:r>
+              <a:rPr lang="en-US" dirty="0" smtClean="0"/>
+              <a:t>Object</a:t>
+            </a:r>
+            <a:r>
+              <a:rPr lang="en-US" baseline="0" dirty="0" smtClean="0"/>
+              <a:t> metamorphism can be described as …</a:t>
+            </a:r>
+          </a:p>
+          <a:p>
+            <a:endParaRPr lang="en-US" baseline="0" dirty="0" smtClean="0"/>
+          </a:p>
+          <a:p>
+            <a:r>
+              <a:rPr lang="en-US" baseline="0" dirty="0" smtClean="0"/>
+              <a:t>So, according to this concept, an object is created according to the description contained in the morph model.</a:t>
+            </a:r>
+          </a:p>
+          <a:p>
+            <a:r>
+              <a:rPr lang="en-US" baseline="0" dirty="0" smtClean="0"/>
+              <a:t>In this respect the morph model is actually an analogy to the class. The class may actually be considered a special case of the morph model.</a:t>
+            </a:r>
+          </a:p>
+          <a:p>
+            <a:endParaRPr lang="en-US" baseline="0" dirty="0" smtClean="0"/>
+          </a:p>
+          <a:p>
+            <a:r>
+              <a:rPr lang="en-US" baseline="0" dirty="0" smtClean="0"/>
+              <a:t>Similarly to the class, the morph model is also compiled and verified at compile-time.</a:t>
+            </a:r>
+          </a:p>
+          <a:p>
+            <a:endParaRPr lang="en-US" baseline="0" dirty="0" smtClean="0"/>
+          </a:p>
+          <a:p>
+            <a:r>
+              <a:rPr lang="en-US" baseline="0" dirty="0" smtClean="0"/>
+              <a:t>A morph is an instance of the morph model. This is an analogy to a class instance with one important distinction that it is able to mutate, in other words to change</a:t>
+            </a:r>
+          </a:p>
+          <a:p>
+            <a:r>
+              <a:rPr lang="en-US" baseline="0" dirty="0" smtClean="0"/>
+              <a:t>Its structure and behavior.</a:t>
+            </a:r>
+          </a:p>
+          <a:p>
+            <a:endParaRPr lang="en-US" baseline="0" dirty="0" smtClean="0"/>
+          </a:p>
+          <a:p>
+            <a:r>
+              <a:rPr lang="en-US" baseline="0" dirty="0" smtClean="0"/>
+              <a:t>To illustrate OM I have developed a small application simulating the facial expressions of human emotions.</a:t>
+            </a:r>
+          </a:p>
+          <a:p>
+            <a:endParaRPr lang="en-US" baseline="0" dirty="0" smtClean="0"/>
+          </a:p>
+          <a:p>
+            <a:r>
+              <a:rPr lang="en-US" baseline="0" dirty="0" smtClean="0"/>
+              <a:t>The code samples used in this presentation are developed in Morpheus, which is a proof-concept implementation of OM developed as an extension of the Scala compiler.</a:t>
+            </a:r>
+            <a:endParaRPr lang="en-US" dirty="0"/>
+          </a:p>
+        </p:txBody>
+      </p:sp>
+      <p:sp>
+        <p:nvSpPr>
+          <p:cNvPr id="4" name="Slide Number Placeholder 3"/>
+          <p:cNvSpPr>
+            <a:spLocks noGrp="1"/>
+          </p:cNvSpPr>
+          <p:nvPr>
+            <p:ph type="sldNum" sz="quarter" idx="10"/>
+          </p:nvPr>
+        </p:nvSpPr>
+        <p:spPr/>
+        <p:txBody>
+          <a:bodyPr/>
+          <a:lstStyle/>
+          <a:p>
+            <a:fld id="{CCD58CD7-5E9C-3C4B-932D-50A00EA502BD}" type="slidenum">
+              <a:rPr lang="en-US" smtClean="0"/>
+              <a:t>7</a:t>
+            </a:fld>
+            <a:endParaRPr lang="en-US"/>
+          </a:p>
+        </p:txBody>
+      </p:sp>
+    </p:spTree>
+    <p:extLst>
+      <p:ext uri="{BB962C8B-B14F-4D97-AF65-F5344CB8AC3E}">
+        <p14:creationId xmlns:p14="http://schemas.microsoft.com/office/powerpoint/2010/main" val="887108478"/>
+      </p:ext>
+    </p:extLst>
+  </p:cSld>
+  <p:clrMapOvr>
+    <a:masterClrMapping/>
+  </p:clrMapOvr>
+</p:notes>
+</file>
+
+<file path=ppt/notesSlides/notesSlide7.xml><?xml version="1.0" encoding="utf-8"?>
+<p:notes xmlns:a="http://schemas.openxmlformats.org/drawingml/2006/main" xmlns:r="http://schemas.openxmlformats.org/officeDocument/2006/relationships" xmlns:p="http://schemas.openxmlformats.org/presentationml/2006/main">
+  <p:cSld>
+    <p:spTree>
+      <p:nvGrpSpPr>
+        <p:cNvPr id="1" name=""/>
+        <p:cNvGrpSpPr/>
+        <p:nvPr/>
+      </p:nvGrpSpPr>
+      <p:grpSpPr>
+        <a:xfrm>
+          <a:off x="0" y="0"/>
+          <a:ext cx="0" cy="0"/>
+          <a:chOff x="0" y="0"/>
+          <a:chExt cx="0" cy="0"/>
+        </a:xfrm>
+      </p:grpSpPr>
+      <p:sp>
+        <p:nvSpPr>
+          <p:cNvPr id="2" name="Slide Image Placeholder 1"/>
+          <p:cNvSpPr>
+            <a:spLocks noGrp="1" noRot="1" noChangeAspect="1"/>
+          </p:cNvSpPr>
+          <p:nvPr>
+            <p:ph type="sldImg"/>
+          </p:nvPr>
+        </p:nvSpPr>
+        <p:spPr/>
+      </p:sp>
+      <p:sp>
+        <p:nvSpPr>
+          <p:cNvPr id="3" name="Notes Placeholder 2"/>
+          <p:cNvSpPr>
+            <a:spLocks noGrp="1"/>
+          </p:cNvSpPr>
+          <p:nvPr>
+            <p:ph type="body" idx="1"/>
+          </p:nvPr>
+        </p:nvSpPr>
+        <p:spPr/>
+        <p:txBody>
+          <a:bodyPr/>
+          <a:lstStyle/>
+          <a:p>
+            <a:r>
+              <a:rPr lang="en-US" dirty="0" smtClean="0"/>
+              <a:t>The human face is obviously</a:t>
+            </a:r>
+            <a:r>
+              <a:rPr lang="en-US" baseline="0" dirty="0" smtClean="0"/>
+              <a:t> an extremely varying object. The expressions in the face reflect the emotions felt by the human.</a:t>
+            </a:r>
+          </a:p>
+          <a:p>
+            <a:endParaRPr lang="en-US" baseline="0" dirty="0" smtClean="0"/>
+          </a:p>
+          <a:p>
+            <a:r>
+              <a:rPr lang="en-US" baseline="0" dirty="0" smtClean="0"/>
+              <a:t>The emotions cause electric stimulation of the facial muscles. One end of the muscles is attached to the bones while the other end is connected to the skin or rather various facial features such as lips, lids, eyebrows etc.</a:t>
+            </a:r>
+          </a:p>
+          <a:p>
+            <a:endParaRPr lang="en-US" dirty="0" smtClean="0"/>
+          </a:p>
+          <a:p>
+            <a:endParaRPr lang="en-US" dirty="0"/>
+          </a:p>
+        </p:txBody>
+      </p:sp>
+      <p:sp>
+        <p:nvSpPr>
+          <p:cNvPr id="4" name="Slide Number Placeholder 3"/>
+          <p:cNvSpPr>
+            <a:spLocks noGrp="1"/>
+          </p:cNvSpPr>
+          <p:nvPr>
+            <p:ph type="sldNum" sz="quarter" idx="10"/>
+          </p:nvPr>
+        </p:nvSpPr>
+        <p:spPr/>
+        <p:txBody>
+          <a:bodyPr/>
+          <a:lstStyle/>
+          <a:p>
+            <a:fld id="{CCD58CD7-5E9C-3C4B-932D-50A00EA502BD}" type="slidenum">
+              <a:rPr lang="en-US" smtClean="0"/>
+              <a:t>8</a:t>
+            </a:fld>
+            <a:endParaRPr lang="en-US"/>
+          </a:p>
+        </p:txBody>
+      </p:sp>
+    </p:spTree>
+    <p:extLst>
+      <p:ext uri="{BB962C8B-B14F-4D97-AF65-F5344CB8AC3E}">
+        <p14:creationId xmlns:p14="http://schemas.microsoft.com/office/powerpoint/2010/main" val="2877505970"/>
+      </p:ext>
+    </p:extLst>
+  </p:cSld>
+  <p:clrMapOvr>
+    <a:masterClrMapping/>
+  </p:clrMapOvr>
+</p:notes>
+</file>
+
+<file path=ppt/notesSlides/notesSlide8.xml><?xml version="1.0" encoding="utf-8"?>
+<p:notes xmlns:a="http://schemas.openxmlformats.org/drawingml/2006/main" xmlns:r="http://schemas.openxmlformats.org/officeDocument/2006/relationships" xmlns:p="http://schemas.openxmlformats.org/presentationml/2006/main">
+  <p:cSld>
+    <p:spTree>
+      <p:nvGrpSpPr>
+        <p:cNvPr id="1" name=""/>
+        <p:cNvGrpSpPr/>
+        <p:nvPr/>
+      </p:nvGrpSpPr>
+      <p:grpSpPr>
+        <a:xfrm>
+          <a:off x="0" y="0"/>
+          <a:ext cx="0" cy="0"/>
+          <a:chOff x="0" y="0"/>
+          <a:chExt cx="0" cy="0"/>
+        </a:xfrm>
+      </p:grpSpPr>
+      <p:sp>
+        <p:nvSpPr>
+          <p:cNvPr id="2" name="Slide Image Placeholder 1"/>
+          <p:cNvSpPr>
+            <a:spLocks noGrp="1" noRot="1" noChangeAspect="1"/>
+          </p:cNvSpPr>
+          <p:nvPr>
+            <p:ph type="sldImg"/>
+          </p:nvPr>
+        </p:nvSpPr>
+        <p:spPr/>
+      </p:sp>
+      <p:sp>
+        <p:nvSpPr>
+          <p:cNvPr id="3" name="Notes Placeholder 2"/>
+          <p:cNvSpPr>
+            <a:spLocks noGrp="1"/>
+          </p:cNvSpPr>
+          <p:nvPr>
+            <p:ph type="body" idx="1"/>
+          </p:nvPr>
+        </p:nvSpPr>
+        <p:spPr/>
+        <p:txBody>
+          <a:bodyPr/>
+          <a:lstStyle/>
+          <a:p>
+            <a:r>
+              <a:rPr lang="en-US" dirty="0" smtClean="0"/>
+              <a:t>The propagation of emotions to their manifestation</a:t>
+            </a:r>
+            <a:r>
+              <a:rPr lang="en-US" baseline="0" dirty="0" smtClean="0"/>
+              <a:t> on the human face may be described by three morph models.</a:t>
+            </a:r>
+          </a:p>
+          <a:p>
+            <a:endParaRPr lang="en-US" baseline="0" dirty="0" smtClean="0"/>
+          </a:p>
+          <a:p>
+            <a:r>
+              <a:rPr lang="en-US" baseline="0" dirty="0" smtClean="0"/>
+              <a:t>The models may actually be considered three descriptions of the human face from different angles. </a:t>
+            </a:r>
+          </a:p>
+          <a:p>
+            <a:endParaRPr lang="en-US" baseline="0" dirty="0" smtClean="0"/>
+          </a:p>
+          <a:p>
+            <a:r>
+              <a:rPr lang="en-US" baseline="0" dirty="0" smtClean="0"/>
+              <a:t>Let us deal with individual morph models in more detail.</a:t>
+            </a:r>
+          </a:p>
+        </p:txBody>
+      </p:sp>
+      <p:sp>
+        <p:nvSpPr>
+          <p:cNvPr id="4" name="Slide Number Placeholder 3"/>
+          <p:cNvSpPr>
+            <a:spLocks noGrp="1"/>
+          </p:cNvSpPr>
+          <p:nvPr>
+            <p:ph type="sldNum" sz="quarter" idx="10"/>
+          </p:nvPr>
+        </p:nvSpPr>
+        <p:spPr/>
+        <p:txBody>
+          <a:bodyPr/>
+          <a:lstStyle/>
+          <a:p>
+            <a:fld id="{CCD58CD7-5E9C-3C4B-932D-50A00EA502BD}" type="slidenum">
+              <a:rPr lang="en-US" smtClean="0"/>
+              <a:t>9</a:t>
+            </a:fld>
+            <a:endParaRPr lang="en-US"/>
+          </a:p>
+        </p:txBody>
+      </p:sp>
+    </p:spTree>
+    <p:extLst>
+      <p:ext uri="{BB962C8B-B14F-4D97-AF65-F5344CB8AC3E}">
+        <p14:creationId xmlns:p14="http://schemas.microsoft.com/office/powerpoint/2010/main" val="3868766252"/>
+      </p:ext>
+    </p:extLst>
+  </p:cSld>
+  <p:clrMapOvr>
+    <a:masterClrMapping/>
+  </p:clrMapOvr>
+</p:notes>
+</file>
+
+<file path=ppt/notesSlides/notesSlide9.xml><?xml version="1.0" encoding="utf-8"?>
+<p:notes xmlns:a="http://schemas.openxmlformats.org/drawingml/2006/main" xmlns:r="http://schemas.openxmlformats.org/officeDocument/2006/relationships" xmlns:p="http://schemas.openxmlformats.org/presentationml/2006/main">
+  <p:cSld>
+    <p:spTree>
+      <p:nvGrpSpPr>
+        <p:cNvPr id="1" name=""/>
+        <p:cNvGrpSpPr/>
+        <p:nvPr/>
+      </p:nvGrpSpPr>
+      <p:grpSpPr>
+        <a:xfrm>
+          <a:off x="0" y="0"/>
+          <a:ext cx="0" cy="0"/>
+          <a:chOff x="0" y="0"/>
+          <a:chExt cx="0" cy="0"/>
+        </a:xfrm>
+      </p:grpSpPr>
+      <p:sp>
+        <p:nvSpPr>
+          <p:cNvPr id="2" name="Slide Image Placeholder 1"/>
+          <p:cNvSpPr>
+            <a:spLocks noGrp="1" noRot="1" noChangeAspect="1"/>
+          </p:cNvSpPr>
+          <p:nvPr>
+            <p:ph type="sldImg"/>
+          </p:nvPr>
+        </p:nvSpPr>
+        <p:spPr/>
+      </p:sp>
+      <p:sp>
+        <p:nvSpPr>
+          <p:cNvPr id="3" name="Notes Placeholder 2"/>
+          <p:cNvSpPr>
+            <a:spLocks noGrp="1"/>
+          </p:cNvSpPr>
+          <p:nvPr>
+            <p:ph type="body" idx="1"/>
+          </p:nvPr>
+        </p:nvSpPr>
+        <p:spPr/>
+        <p:txBody>
+          <a:bodyPr/>
+          <a:lstStyle/>
+          <a:p>
+            <a:r>
+              <a:rPr lang="en-US" dirty="0" smtClean="0"/>
+              <a:t>The</a:t>
+            </a:r>
+            <a:r>
+              <a:rPr lang="en-US" baseline="0" dirty="0" smtClean="0"/>
+              <a:t> emotion model used in the simulation comprises six emotions:</a:t>
+            </a:r>
+          </a:p>
+          <a:p>
+            <a:endParaRPr lang="en-US" baseline="0" dirty="0" smtClean="0"/>
+          </a:p>
+          <a:p>
+            <a:r>
+              <a:rPr lang="en-US" baseline="0" dirty="0" smtClean="0"/>
+              <a:t>In contrast to the famous book by Paul Ekman about micro-expressions, this model does not include contempt.</a:t>
+            </a:r>
+          </a:p>
+          <a:p>
+            <a:endParaRPr lang="en-US" baseline="0" dirty="0" smtClean="0"/>
+          </a:p>
+          <a:p>
+            <a:endParaRPr lang="en-US" dirty="0"/>
+          </a:p>
+        </p:txBody>
+      </p:sp>
+      <p:sp>
+        <p:nvSpPr>
+          <p:cNvPr id="4" name="Slide Number Placeholder 3"/>
+          <p:cNvSpPr>
+            <a:spLocks noGrp="1"/>
+          </p:cNvSpPr>
+          <p:nvPr>
+            <p:ph type="sldNum" sz="quarter" idx="10"/>
+          </p:nvPr>
+        </p:nvSpPr>
+        <p:spPr/>
+        <p:txBody>
+          <a:bodyPr/>
+          <a:lstStyle/>
+          <a:p>
+            <a:fld id="{CCD58CD7-5E9C-3C4B-932D-50A00EA502BD}" type="slidenum">
+              <a:rPr lang="en-US" smtClean="0"/>
+              <a:t>10</a:t>
+            </a:fld>
+            <a:endParaRPr lang="en-US"/>
+          </a:p>
+        </p:txBody>
+      </p:sp>
+    </p:spTree>
+    <p:extLst>
+      <p:ext uri="{BB962C8B-B14F-4D97-AF65-F5344CB8AC3E}">
+        <p14:creationId xmlns:p14="http://schemas.microsoft.com/office/powerpoint/2010/main" val="608825493"/>
+      </p:ext>
+    </p:extLst>
+  </p:cSld>
+  <p:clrMapOvr>
+    <a:masterClrMapping/>
+  </p:clrMapOvr>
+</p:notes>
 </file>
 
 <file path=ppt/slideLayouts/slideLayout1.xml><?xml version="1.0" encoding="utf-8"?>
@@ -3929,7 +5671,7 @@
           <a:p>
             <a:r>
               <a:rPr lang="en-US" dirty="0" smtClean="0"/>
-              <a:t>6 + 15 = 21 alternatives</a:t>
+              <a:t>6 simple + 15 combined = 21 alternatives</a:t>
             </a:r>
             <a:endParaRPr lang="en-US" dirty="0"/>
           </a:p>
@@ -3944,7 +5686,7 @@
           <p:nvPr/>
         </p:nvPicPr>
         <p:blipFill>
-          <a:blip r:embed="rId2">
+          <a:blip r:embed="rId3">
             <a:extLst>
               <a:ext uri="{28A0092B-C50C-407E-A947-70E740481C1C}">
                 <a14:useLocalDpi xmlns:a14="http://schemas.microsoft.com/office/drawing/2010/main" val="0"/>
@@ -3974,7 +5716,7 @@
           <p:nvPr/>
         </p:nvPicPr>
         <p:blipFill>
-          <a:blip r:embed="rId3">
+          <a:blip r:embed="rId4">
             <a:extLst>
               <a:ext uri="{28A0092B-C50C-407E-A947-70E740481C1C}">
                 <a14:useLocalDpi xmlns:a14="http://schemas.microsoft.com/office/drawing/2010/main" val="0"/>
@@ -4004,7 +5746,7 @@
           <p:nvPr/>
         </p:nvPicPr>
         <p:blipFill>
-          <a:blip r:embed="rId4">
+          <a:blip r:embed="rId5">
             <a:extLst>
               <a:ext uri="{28A0092B-C50C-407E-A947-70E740481C1C}">
                 <a14:useLocalDpi xmlns:a14="http://schemas.microsoft.com/office/drawing/2010/main" val="0"/>
@@ -4034,7 +5776,7 @@
           <p:nvPr/>
         </p:nvPicPr>
         <p:blipFill>
-          <a:blip r:embed="rId5">
+          <a:blip r:embed="rId6">
             <a:extLst>
               <a:ext uri="{28A0092B-C50C-407E-A947-70E740481C1C}">
                 <a14:useLocalDpi xmlns:a14="http://schemas.microsoft.com/office/drawing/2010/main" val="0"/>
@@ -4064,7 +5806,7 @@
           <p:nvPr/>
         </p:nvPicPr>
         <p:blipFill>
-          <a:blip r:embed="rId6">
+          <a:blip r:embed="rId7">
             <a:extLst>
               <a:ext uri="{28A0092B-C50C-407E-A947-70E740481C1C}">
                 <a14:useLocalDpi xmlns:a14="http://schemas.microsoft.com/office/drawing/2010/main" val="0"/>
@@ -4094,7 +5836,7 @@
           <p:nvPr/>
         </p:nvPicPr>
         <p:blipFill>
-          <a:blip r:embed="rId7">
+          <a:blip r:embed="rId8">
             <a:extLst>
               <a:ext uri="{28A0092B-C50C-407E-A947-70E740481C1C}">
                 <a14:useLocalDpi xmlns:a14="http://schemas.microsoft.com/office/drawing/2010/main" val="0"/>
@@ -4124,7 +5866,7 @@
           <p:nvPr/>
         </p:nvPicPr>
         <p:blipFill>
-          <a:blip r:embed="rId8">
+          <a:blip r:embed="rId9">
             <a:extLst>
               <a:ext uri="{28A0092B-C50C-407E-A947-70E740481C1C}">
                 <a14:useLocalDpi xmlns:a14="http://schemas.microsoft.com/office/drawing/2010/main" val="0"/>
@@ -4154,7 +5896,7 @@
           <p:nvPr/>
         </p:nvPicPr>
         <p:blipFill>
-          <a:blip r:embed="rId9">
+          <a:blip r:embed="rId10">
             <a:extLst>
               <a:ext uri="{28A0092B-C50C-407E-A947-70E740481C1C}">
                 <a14:useLocalDpi xmlns:a14="http://schemas.microsoft.com/office/drawing/2010/main" val="0"/>
@@ -4184,7 +5926,7 @@
           <p:nvPr/>
         </p:nvPicPr>
         <p:blipFill>
-          <a:blip r:embed="rId10">
+          <a:blip r:embed="rId11">
             <a:extLst>
               <a:ext uri="{28A0092B-C50C-407E-A947-70E740481C1C}">
                 <a14:useLocalDpi xmlns:a14="http://schemas.microsoft.com/office/drawing/2010/main" val="0"/>
@@ -4214,7 +5956,7 @@
           <p:nvPr/>
         </p:nvPicPr>
         <p:blipFill>
-          <a:blip r:embed="rId11">
+          <a:blip r:embed="rId12">
             <a:extLst>
               <a:ext uri="{28A0092B-C50C-407E-A947-70E740481C1C}">
                 <a14:useLocalDpi xmlns:a14="http://schemas.microsoft.com/office/drawing/2010/main" val="0"/>
@@ -4244,7 +5986,7 @@
           <p:nvPr/>
         </p:nvPicPr>
         <p:blipFill>
-          <a:blip r:embed="rId12">
+          <a:blip r:embed="rId13">
             <a:extLst>
               <a:ext uri="{28A0092B-C50C-407E-A947-70E740481C1C}">
                 <a14:useLocalDpi xmlns:a14="http://schemas.microsoft.com/office/drawing/2010/main" val="0"/>
@@ -4274,7 +6016,7 @@
           <p:nvPr/>
         </p:nvPicPr>
         <p:blipFill>
-          <a:blip r:embed="rId13">
+          <a:blip r:embed="rId14">
             <a:extLst>
               <a:ext uri="{28A0092B-C50C-407E-A947-70E740481C1C}">
                 <a14:useLocalDpi xmlns:a14="http://schemas.microsoft.com/office/drawing/2010/main" val="0"/>
@@ -4304,7 +6046,7 @@
           <p:nvPr/>
         </p:nvPicPr>
         <p:blipFill>
-          <a:blip r:embed="rId14">
+          <a:blip r:embed="rId15">
             <a:extLst>
               <a:ext uri="{28A0092B-C50C-407E-A947-70E740481C1C}">
                 <a14:useLocalDpi xmlns:a14="http://schemas.microsoft.com/office/drawing/2010/main" val="0"/>
@@ -4334,7 +6076,7 @@
           <p:nvPr/>
         </p:nvPicPr>
         <p:blipFill>
-          <a:blip r:embed="rId15">
+          <a:blip r:embed="rId16">
             <a:extLst>
               <a:ext uri="{28A0092B-C50C-407E-A947-70E740481C1C}">
                 <a14:useLocalDpi xmlns:a14="http://schemas.microsoft.com/office/drawing/2010/main" val="0"/>
@@ -4364,7 +6106,7 @@
           <p:nvPr/>
         </p:nvPicPr>
         <p:blipFill>
-          <a:blip r:embed="rId16">
+          <a:blip r:embed="rId17">
             <a:extLst>
               <a:ext uri="{28A0092B-C50C-407E-A947-70E740481C1C}">
                 <a14:useLocalDpi xmlns:a14="http://schemas.microsoft.com/office/drawing/2010/main" val="0"/>
@@ -4394,7 +6136,7 @@
           <p:nvPr/>
         </p:nvPicPr>
         <p:blipFill>
-          <a:blip r:embed="rId17">
+          <a:blip r:embed="rId18">
             <a:extLst>
               <a:ext uri="{28A0092B-C50C-407E-A947-70E740481C1C}">
                 <a14:useLocalDpi xmlns:a14="http://schemas.microsoft.com/office/drawing/2010/main" val="0"/>
@@ -4424,7 +6166,7 @@
           <p:nvPr/>
         </p:nvPicPr>
         <p:blipFill>
-          <a:blip r:embed="rId18">
+          <a:blip r:embed="rId19">
             <a:extLst>
               <a:ext uri="{28A0092B-C50C-407E-A947-70E740481C1C}">
                 <a14:useLocalDpi xmlns:a14="http://schemas.microsoft.com/office/drawing/2010/main" val="0"/>
@@ -4454,7 +6196,7 @@
           <p:nvPr/>
         </p:nvPicPr>
         <p:blipFill>
-          <a:blip r:embed="rId19">
+          <a:blip r:embed="rId20">
             <a:extLst>
               <a:ext uri="{28A0092B-C50C-407E-A947-70E740481C1C}">
                 <a14:useLocalDpi xmlns:a14="http://schemas.microsoft.com/office/drawing/2010/main" val="0"/>
@@ -4484,7 +6226,7 @@
           <p:nvPr/>
         </p:nvPicPr>
         <p:blipFill>
-          <a:blip r:embed="rId20">
+          <a:blip r:embed="rId21">
             <a:extLst>
               <a:ext uri="{28A0092B-C50C-407E-A947-70E740481C1C}">
                 <a14:useLocalDpi xmlns:a14="http://schemas.microsoft.com/office/drawing/2010/main" val="0"/>
@@ -4514,7 +6256,7 @@
           <p:nvPr/>
         </p:nvPicPr>
         <p:blipFill>
-          <a:blip r:embed="rId21">
+          <a:blip r:embed="rId22">
             <a:extLst>
               <a:ext uri="{28A0092B-C50C-407E-A947-70E740481C1C}">
                 <a14:useLocalDpi xmlns:a14="http://schemas.microsoft.com/office/drawing/2010/main" val="0"/>
@@ -4544,7 +6286,7 @@
           <p:nvPr/>
         </p:nvPicPr>
         <p:blipFill>
-          <a:blip r:embed="rId22">
+          <a:blip r:embed="rId23">
             <a:extLst>
               <a:ext uri="{28A0092B-C50C-407E-A947-70E740481C1C}">
                 <a14:useLocalDpi xmlns:a14="http://schemas.microsoft.com/office/drawing/2010/main" val="0"/>
@@ -4574,7 +6316,7 @@
           <p:nvPr/>
         </p:nvPicPr>
         <p:blipFill>
-          <a:blip r:embed="rId23">
+          <a:blip r:embed="rId24">
             <a:extLst>
               <a:ext uri="{28A0092B-C50C-407E-A947-70E740481C1C}">
                 <a14:useLocalDpi xmlns:a14="http://schemas.microsoft.com/office/drawing/2010/main" val="0"/>
@@ -4595,6 +6337,43 @@
           </a:prstGeom>
         </p:spPr>
       </p:pic>
+      <p:sp>
+        <p:nvSpPr>
+          <p:cNvPr id="32" name="TextBox 31"/>
+          <p:cNvSpPr txBox="1"/>
+          <p:nvPr/>
+        </p:nvSpPr>
+        <p:spPr>
+          <a:xfrm>
+            <a:off x="6400631" y="6506343"/>
+            <a:ext cx="2544286" cy="307777"/>
+          </a:xfrm>
+          <a:prstGeom prst="rect">
+            <a:avLst/>
+          </a:prstGeom>
+          <a:noFill/>
+        </p:spPr>
+        <p:txBody>
+          <a:bodyPr wrap="none" rtlCol="0">
+            <a:spAutoFit/>
+          </a:bodyPr>
+          <a:lstStyle/>
+          <a:p>
+            <a:r>
+              <a:rPr lang="en-US" sz="1400" dirty="0"/>
+              <a:t>http://</a:t>
+            </a:r>
+            <a:r>
+              <a:rPr lang="en-US" sz="1400" dirty="0" err="1"/>
+              <a:t>www.grimace-project.net</a:t>
+            </a:r>
+            <a:r>
+              <a:rPr lang="en-US" sz="1400" dirty="0"/>
+              <a:t>/</a:t>
+            </a:r>
+          </a:p>
+        </p:txBody>
+      </p:sp>
     </p:spTree>
     <p:extLst>
       <p:ext uri="{BB962C8B-B14F-4D97-AF65-F5344CB8AC3E}">
@@ -4664,7 +6443,7 @@
         <p:spPr>
           <a:xfrm>
             <a:off x="452478" y="1745375"/>
-            <a:ext cx="8153400" cy="4801315"/>
+            <a:ext cx="8153400" cy="5355313"/>
           </a:xfrm>
           <a:prstGeom prst="rect">
             <a:avLst/>
@@ -4968,7 +6747,7 @@
                 <a:latin typeface="Consolas"/>
                 <a:cs typeface="Consolas"/>
               </a:rPr>
-              <a:t>  // keeps the selection and intensity of one or two emotions</a:t>
+              <a:t>  // Keeps the selection and intensity of one or two emotions</a:t>
             </a:r>
           </a:p>
           <a:p>
@@ -5229,6 +7008,21 @@
                 <a:cs typeface="Consolas"/>
               </a:rPr>
             </a:br>
+            <a:endParaRPr lang="en-US" dirty="0" smtClean="0">
+              <a:latin typeface="Consolas"/>
+              <a:cs typeface="Consolas"/>
+            </a:endParaRPr>
+          </a:p>
+          <a:p>
+            <a:r>
+              <a:rPr lang="en-US" dirty="0" smtClean="0">
+                <a:latin typeface="Consolas"/>
+                <a:cs typeface="Consolas"/>
+              </a:rPr>
+              <a:t>  // Propagate the emotions to the muscles</a:t>
+            </a:r>
+          </a:p>
+          <a:p>
             <a:r>
               <a:rPr lang="en-US" dirty="0" smtClean="0">
                 <a:latin typeface="Consolas"/>
@@ -5248,7 +7042,7 @@
                 <a:latin typeface="Consolas"/>
                 <a:cs typeface="Consolas"/>
               </a:rPr>
-              <a:t> influence(): Unit = {}</a:t>
+              <a:t> stimulate(): Unit = {}</a:t>
             </a:r>
           </a:p>
           <a:p>
@@ -5865,7 +7659,7 @@
           <a:p>
             <a:r>
               <a:rPr lang="en-US" dirty="0" smtClean="0"/>
-              <a:t>Musculature Model</a:t>
+              <a:t>Facial Musculature Model</a:t>
             </a:r>
             <a:endParaRPr lang="en-US" dirty="0"/>
           </a:p>
@@ -5935,7 +7729,7 @@
           <p:nvPr/>
         </p:nvPicPr>
         <p:blipFill>
-          <a:blip r:embed="rId2">
+          <a:blip r:embed="rId3">
             <a:extLst>
               <a:ext uri="{28A0092B-C50C-407E-A947-70E740481C1C}">
                 <a14:useLocalDpi xmlns:a14="http://schemas.microsoft.com/office/drawing/2010/main" val="0"/>
@@ -6010,7 +7804,7 @@
           <a:p>
             <a:r>
               <a:rPr lang="en-US" dirty="0" smtClean="0"/>
-              <a:t>Musculature Code</a:t>
+              <a:t>Facial Musculature Code</a:t>
             </a:r>
             <a:endParaRPr lang="en-US" dirty="0"/>
           </a:p>
@@ -6690,7 +8484,7 @@
           <p:nvPr/>
         </p:nvPicPr>
         <p:blipFill>
-          <a:blip r:embed="rId2">
+          <a:blip r:embed="rId3">
             <a:extLst>
               <a:ext uri="{28A0092B-C50C-407E-A947-70E740481C1C}">
                 <a14:useLocalDpi xmlns:a14="http://schemas.microsoft.com/office/drawing/2010/main" val="0"/>
@@ -8595,7 +10389,7 @@
           <a:p>
             <a:r>
               <a:rPr lang="en-US" dirty="0" smtClean="0"/>
-              <a:t>Emotion Model Strategy</a:t>
+              <a:t>Conclusion</a:t>
             </a:r>
             <a:endParaRPr lang="en-US" dirty="0"/>
           </a:p>
@@ -8603,229 +10397,93 @@
       </p:sp>
       <p:sp>
         <p:nvSpPr>
-          <p:cNvPr id="4" name="TextBox 3"/>
-          <p:cNvSpPr txBox="1"/>
-          <p:nvPr/>
-        </p:nvSpPr>
-        <p:spPr>
-          <a:xfrm>
-            <a:off x="441367" y="1724882"/>
-            <a:ext cx="8053256" cy="2585323"/>
-          </a:xfrm>
-          <a:prstGeom prst="rect">
-            <a:avLst/>
-          </a:prstGeom>
-          <a:noFill/>
-        </p:spPr>
-        <p:txBody>
-          <a:bodyPr wrap="none" rtlCol="0">
-            <a:spAutoFit/>
-          </a:bodyPr>
+          <p:cNvPr id="3" name="Content Placeholder 2"/>
+          <p:cNvSpPr>
+            <a:spLocks noGrp="1"/>
+          </p:cNvSpPr>
+          <p:nvPr>
+            <p:ph sz="quarter" idx="1"/>
+          </p:nvPr>
+        </p:nvSpPr>
+        <p:spPr/>
+        <p:txBody>
+          <a:bodyPr/>
           <a:lstStyle/>
           <a:p>
             <a:r>
-              <a:rPr lang="en-US" b="1" dirty="0" err="1" smtClean="0">
-                <a:latin typeface="Consolas"/>
-                <a:cs typeface="Consolas"/>
-              </a:rPr>
-              <a:t>val</a:t>
-            </a:r>
-            <a:r>
-              <a:rPr lang="en-US" dirty="0" smtClean="0">
-                <a:latin typeface="Consolas"/>
-                <a:cs typeface="Consolas"/>
-              </a:rPr>
-              <a:t> emoStrategy1 = mask[Unit or </a:t>
-            </a:r>
-            <a:r>
-              <a:rPr lang="en-US" dirty="0" err="1" smtClean="0">
-                <a:latin typeface="Consolas"/>
-                <a:cs typeface="Consolas"/>
-              </a:rPr>
-              <a:t>BasicEmotions</a:t>
-            </a:r>
-            <a:r>
-              <a:rPr lang="en-US" dirty="0" smtClean="0">
-                <a:latin typeface="Consolas"/>
-                <a:cs typeface="Consolas"/>
-              </a:rPr>
-              <a:t>]({</a:t>
-            </a:r>
-          </a:p>
-          <a:p>
-            <a:r>
-              <a:rPr lang="en-US" dirty="0" smtClean="0">
-                <a:latin typeface="Consolas"/>
-                <a:cs typeface="Consolas"/>
-              </a:rPr>
-              <a:t>    </a:t>
-            </a:r>
-            <a:r>
-              <a:rPr lang="en-US" b="1" dirty="0" smtClean="0">
-                <a:latin typeface="Consolas"/>
-                <a:cs typeface="Consolas"/>
-              </a:rPr>
-              <a:t>case</a:t>
-            </a:r>
-            <a:r>
-              <a:rPr lang="en-US" dirty="0" smtClean="0">
-                <a:latin typeface="Consolas"/>
-                <a:cs typeface="Consolas"/>
-              </a:rPr>
-              <a:t> None =&gt; None</a:t>
-            </a:r>
-          </a:p>
-          <a:p>
-            <a:r>
-              <a:rPr lang="en-US" dirty="0" smtClean="0">
-                <a:latin typeface="Consolas"/>
-                <a:cs typeface="Consolas"/>
-              </a:rPr>
-              <a:t>    </a:t>
-            </a:r>
-            <a:r>
-              <a:rPr lang="en-US" b="1" dirty="0" smtClean="0">
-                <a:latin typeface="Consolas"/>
-                <a:cs typeface="Consolas"/>
-              </a:rPr>
-              <a:t>case</a:t>
-            </a:r>
-            <a:r>
-              <a:rPr lang="en-US" dirty="0" smtClean="0">
-                <a:latin typeface="Consolas"/>
-                <a:cs typeface="Consolas"/>
-              </a:rPr>
-              <a:t> Some(morph) =&gt; </a:t>
-            </a:r>
-            <a:r>
-              <a:rPr lang="en-US" dirty="0" err="1" smtClean="0">
-                <a:latin typeface="Consolas"/>
-                <a:cs typeface="Consolas"/>
-              </a:rPr>
-              <a:t>morph.getFirstEmotion</a:t>
-            </a:r>
-            <a:endParaRPr lang="en-US" dirty="0" smtClean="0">
-              <a:latin typeface="Consolas"/>
-              <a:cs typeface="Consolas"/>
-            </a:endParaRPr>
-          </a:p>
-          <a:p>
-            <a:r>
-              <a:rPr lang="en-US" dirty="0" smtClean="0">
-                <a:latin typeface="Consolas"/>
-                <a:cs typeface="Consolas"/>
-              </a:rPr>
-              <a:t>})</a:t>
-            </a:r>
-          </a:p>
-          <a:p>
-            <a:endParaRPr lang="en-US" dirty="0" smtClean="0">
-              <a:latin typeface="Consolas"/>
-              <a:cs typeface="Consolas"/>
-            </a:endParaRPr>
-          </a:p>
-          <a:p>
-            <a:r>
-              <a:rPr lang="en-US" b="1" dirty="0" err="1" smtClean="0">
-                <a:latin typeface="Consolas"/>
-                <a:cs typeface="Consolas"/>
-              </a:rPr>
-              <a:t>val</a:t>
-            </a:r>
-            <a:r>
-              <a:rPr lang="en-US" dirty="0" smtClean="0">
-                <a:latin typeface="Consolas"/>
-                <a:cs typeface="Consolas"/>
-              </a:rPr>
-              <a:t> emoStrategy2 = mask[Unit or </a:t>
-            </a:r>
-            <a:r>
-              <a:rPr lang="en-US" dirty="0" err="1" smtClean="0">
-                <a:latin typeface="Consolas"/>
-                <a:cs typeface="Consolas"/>
-              </a:rPr>
-              <a:t>BasicEmotions</a:t>
-            </a:r>
-            <a:r>
-              <a:rPr lang="en-US" dirty="0" smtClean="0">
-                <a:latin typeface="Consolas"/>
-                <a:cs typeface="Consolas"/>
-              </a:rPr>
-              <a:t>](emoStrategy1, {</a:t>
-            </a:r>
-          </a:p>
-          <a:p>
-            <a:r>
-              <a:rPr lang="en-US" dirty="0" smtClean="0">
-                <a:latin typeface="Consolas"/>
-                <a:cs typeface="Consolas"/>
-              </a:rPr>
-              <a:t>    </a:t>
-            </a:r>
-            <a:r>
-              <a:rPr lang="en-US" b="1" dirty="0" smtClean="0">
-                <a:latin typeface="Consolas"/>
-                <a:cs typeface="Consolas"/>
-              </a:rPr>
-              <a:t>case</a:t>
-            </a:r>
-            <a:r>
-              <a:rPr lang="en-US" dirty="0" smtClean="0">
-                <a:latin typeface="Consolas"/>
-                <a:cs typeface="Consolas"/>
-              </a:rPr>
-              <a:t> None =&gt; None</a:t>
-            </a:r>
-          </a:p>
-          <a:p>
-            <a:r>
-              <a:rPr lang="en-US" dirty="0" smtClean="0">
-                <a:latin typeface="Consolas"/>
-                <a:cs typeface="Consolas"/>
-              </a:rPr>
-              <a:t>    </a:t>
-            </a:r>
-            <a:r>
-              <a:rPr lang="en-US" b="1" dirty="0" smtClean="0">
-                <a:latin typeface="Consolas"/>
-                <a:cs typeface="Consolas"/>
-              </a:rPr>
-              <a:t>case</a:t>
-            </a:r>
-            <a:r>
-              <a:rPr lang="en-US" dirty="0" smtClean="0">
-                <a:latin typeface="Consolas"/>
-                <a:cs typeface="Consolas"/>
-              </a:rPr>
-              <a:t> Some(morph) =&gt; </a:t>
-            </a:r>
-            <a:r>
-              <a:rPr lang="en-US" dirty="0" err="1" smtClean="0">
-                <a:latin typeface="Consolas"/>
-                <a:cs typeface="Consolas"/>
-              </a:rPr>
-              <a:t>morph.getSecondEmotion</a:t>
-            </a:r>
-            <a:endParaRPr lang="en-US" dirty="0" smtClean="0">
-              <a:latin typeface="Consolas"/>
-              <a:cs typeface="Consolas"/>
-            </a:endParaRPr>
-          </a:p>
-          <a:p>
-            <a:r>
-              <a:rPr lang="en-US" dirty="0" smtClean="0">
-                <a:latin typeface="Consolas"/>
-                <a:cs typeface="Consolas"/>
-              </a:rPr>
-              <a:t>})</a:t>
-            </a:r>
+              <a:rPr lang="en-US" dirty="0" smtClean="0"/>
+              <a:t>Protean object may be modeled in current OOP languages only with difficulties</a:t>
+            </a:r>
+          </a:p>
+          <a:p>
+            <a:r>
+              <a:rPr lang="en-US" dirty="0" smtClean="0"/>
+              <a:t>There is a gap between dynamic and static languages; a need for a hybrid approach</a:t>
+            </a:r>
+          </a:p>
+          <a:p>
+            <a:r>
+              <a:rPr lang="en-US" dirty="0" smtClean="0"/>
+              <a:t>Object Metamorphism addresses this gap</a:t>
+            </a:r>
+          </a:p>
+          <a:p>
+            <a:pPr lvl="1"/>
+            <a:r>
+              <a:rPr lang="en-US" dirty="0" smtClean="0"/>
+              <a:t>Checking the behavioral model at compile-time</a:t>
+            </a:r>
+          </a:p>
+          <a:p>
+            <a:pPr lvl="1"/>
+            <a:r>
+              <a:rPr lang="en-US" dirty="0" smtClean="0"/>
+              <a:t>Controlled dynamism at run-time</a:t>
+            </a:r>
+          </a:p>
+          <a:p>
+            <a:r>
+              <a:rPr lang="en-US" dirty="0" smtClean="0"/>
+              <a:t>Project Morpheus: a proof-of-concept of OM</a:t>
+            </a:r>
+          </a:p>
+          <a:p>
+            <a:pPr lvl="1"/>
+            <a:r>
+              <a:rPr lang="en-US" dirty="0"/>
+              <a:t>https://</a:t>
+            </a:r>
+            <a:r>
+              <a:rPr lang="en-US" dirty="0" err="1"/>
+              <a:t>github.com</a:t>
+            </a:r>
+            <a:r>
+              <a:rPr lang="en-US" dirty="0"/>
+              <a:t>/</a:t>
+            </a:r>
+            <a:r>
+              <a:rPr lang="en-US" dirty="0" err="1"/>
+              <a:t>zslajchrt</a:t>
+            </a:r>
+            <a:r>
+              <a:rPr lang="en-US" dirty="0"/>
+              <a:t>/</a:t>
+            </a:r>
+            <a:r>
+              <a:rPr lang="en-US" dirty="0" err="1"/>
+              <a:t>morpheus</a:t>
+            </a:r>
+            <a:endParaRPr lang="en-US" dirty="0" smtClean="0"/>
+          </a:p>
+          <a:p>
+            <a:endParaRPr lang="en-US" dirty="0"/>
           </a:p>
         </p:txBody>
       </p:sp>
     </p:spTree>
     <p:extLst>
       <p:ext uri="{BB962C8B-B14F-4D97-AF65-F5344CB8AC3E}">
-        <p14:creationId xmlns:p14="http://schemas.microsoft.com/office/powerpoint/2010/main" val="3511027826"/>
+        <p14:creationId xmlns:p14="http://schemas.microsoft.com/office/powerpoint/2010/main" val="989783783"/>
       </p:ext>
     </p:extLst>
   </p:cSld>
@@ -8949,6 +10607,595 @@
     <p:extLst>
       <p:ext uri="{BB962C8B-B14F-4D97-AF65-F5344CB8AC3E}">
         <p14:creationId xmlns:p14="http://schemas.microsoft.com/office/powerpoint/2010/main" val="3278772886"/>
+      </p:ext>
+    </p:extLst>
+  </p:cSld>
+  <p:clrMapOvr>
+    <a:masterClrMapping/>
+  </p:clrMapOvr>
+  <p:timing>
+    <p:tnLst>
+      <p:par>
+        <p:cTn xmlns:p14="http://schemas.microsoft.com/office/powerpoint/2010/main" id="1" dur="indefinite" restart="never" nodeType="tmRoot"/>
+      </p:par>
+    </p:tnLst>
+  </p:timing>
+</p:sld>
+</file>
+
+<file path=ppt/slides/slide20.xml><?xml version="1.0" encoding="utf-8"?>
+<p:sld xmlns:a="http://schemas.openxmlformats.org/drawingml/2006/main" xmlns:r="http://schemas.openxmlformats.org/officeDocument/2006/relationships" xmlns:p="http://schemas.openxmlformats.org/presentationml/2006/main">
+  <p:cSld>
+    <p:spTree>
+      <p:nvGrpSpPr>
+        <p:cNvPr id="1" name=""/>
+        <p:cNvGrpSpPr/>
+        <p:nvPr/>
+      </p:nvGrpSpPr>
+      <p:grpSpPr>
+        <a:xfrm>
+          <a:off x="0" y="0"/>
+          <a:ext cx="0" cy="0"/>
+          <a:chOff x="0" y="0"/>
+          <a:chExt cx="0" cy="0"/>
+        </a:xfrm>
+      </p:grpSpPr>
+      <p:sp>
+        <p:nvSpPr>
+          <p:cNvPr id="2" name="Title 1"/>
+          <p:cNvSpPr>
+            <a:spLocks noGrp="1"/>
+          </p:cNvSpPr>
+          <p:nvPr>
+            <p:ph type="title"/>
+          </p:nvPr>
+        </p:nvSpPr>
+        <p:spPr/>
+        <p:txBody>
+          <a:bodyPr/>
+          <a:lstStyle/>
+          <a:p>
+            <a:r>
+              <a:rPr lang="en-US" dirty="0" smtClean="0"/>
+              <a:t>Special Thanks To:</a:t>
+            </a:r>
+            <a:endParaRPr lang="en-US" dirty="0"/>
+          </a:p>
+        </p:txBody>
+      </p:sp>
+      <p:sp>
+        <p:nvSpPr>
+          <p:cNvPr id="3" name="Content Placeholder 2"/>
+          <p:cNvSpPr>
+            <a:spLocks noGrp="1"/>
+          </p:cNvSpPr>
+          <p:nvPr>
+            <p:ph sz="quarter" idx="1"/>
+          </p:nvPr>
+        </p:nvSpPr>
+        <p:spPr/>
+        <p:txBody>
+          <a:bodyPr/>
+          <a:lstStyle/>
+          <a:p>
+            <a:r>
+              <a:rPr lang="en-US" dirty="0" smtClean="0"/>
+              <a:t>Oliver </a:t>
+            </a:r>
+            <a:r>
+              <a:rPr lang="en-US" dirty="0" err="1" smtClean="0"/>
+              <a:t>Spindler</a:t>
+            </a:r>
+            <a:r>
+              <a:rPr lang="en-US" dirty="0" smtClean="0"/>
+              <a:t> and Thomas </a:t>
+            </a:r>
+            <a:r>
+              <a:rPr lang="en-US" dirty="0" err="1" smtClean="0"/>
+              <a:t>Fadrus</a:t>
+            </a:r>
+            <a:endParaRPr lang="en-US" dirty="0" smtClean="0"/>
+          </a:p>
+          <a:p>
+            <a:r>
+              <a:rPr lang="en-US" dirty="0" smtClean="0"/>
+              <a:t>Authors of project Grimace</a:t>
+            </a:r>
+          </a:p>
+          <a:p>
+            <a:pPr lvl="1"/>
+            <a:r>
+              <a:rPr lang="en-US" dirty="0"/>
+              <a:t>http://</a:t>
+            </a:r>
+            <a:r>
+              <a:rPr lang="en-US" dirty="0" err="1"/>
+              <a:t>www.grimace-</a:t>
+            </a:r>
+            <a:r>
+              <a:rPr lang="en-US" dirty="0" err="1" smtClean="0"/>
+              <a:t>project.net</a:t>
+            </a:r>
+            <a:endParaRPr lang="en-US" dirty="0" smtClean="0"/>
+          </a:p>
+          <a:p>
+            <a:r>
+              <a:rPr lang="en-US" dirty="0" smtClean="0"/>
+              <a:t>This presentation uses Grimace’s pictures and data published in Oliver’s thesis</a:t>
+            </a:r>
+          </a:p>
+          <a:p>
+            <a:pPr lvl="1"/>
+            <a:r>
+              <a:rPr lang="en-US" dirty="0" err="1" smtClean="0"/>
+              <a:t>Spindler</a:t>
+            </a:r>
+            <a:r>
+              <a:rPr lang="en-US" dirty="0" smtClean="0"/>
+              <a:t> O.: Affective space interfaces, </a:t>
+            </a:r>
+            <a:r>
+              <a:rPr lang="en-US" dirty="0" err="1" smtClean="0"/>
+              <a:t>Technische</a:t>
+            </a:r>
+            <a:r>
+              <a:rPr lang="en-US" dirty="0" smtClean="0"/>
+              <a:t> </a:t>
+            </a:r>
+            <a:r>
+              <a:rPr lang="en-US" dirty="0" err="1" smtClean="0"/>
+              <a:t>Universitat</a:t>
+            </a:r>
+            <a:r>
+              <a:rPr lang="en-US" dirty="0" smtClean="0"/>
+              <a:t> Wien, 2009</a:t>
+            </a:r>
+          </a:p>
+          <a:p>
+            <a:pPr lvl="1"/>
+            <a:r>
+              <a:rPr lang="en-US" dirty="0"/>
+              <a:t>http://</a:t>
+            </a:r>
+            <a:r>
+              <a:rPr lang="en-US" dirty="0" err="1"/>
+              <a:t>www.grimace-project.net</a:t>
+            </a:r>
+            <a:r>
+              <a:rPr lang="en-US" dirty="0"/>
+              <a:t>/assets/</a:t>
+            </a:r>
+            <a:r>
+              <a:rPr lang="en-US" dirty="0" err="1"/>
+              <a:t>affectivespaceinterfaces.pdf</a:t>
+            </a:r>
+            <a:endParaRPr lang="en-US" dirty="0"/>
+          </a:p>
+        </p:txBody>
+      </p:sp>
+    </p:spTree>
+    <p:extLst>
+      <p:ext uri="{BB962C8B-B14F-4D97-AF65-F5344CB8AC3E}">
+        <p14:creationId xmlns:p14="http://schemas.microsoft.com/office/powerpoint/2010/main" val="750172771"/>
+      </p:ext>
+    </p:extLst>
+  </p:cSld>
+  <p:clrMapOvr>
+    <a:masterClrMapping/>
+  </p:clrMapOvr>
+  <p:timing>
+    <p:tnLst>
+      <p:par>
+        <p:cTn xmlns:p14="http://schemas.microsoft.com/office/powerpoint/2010/main" id="1" dur="indefinite" restart="never" nodeType="tmRoot"/>
+      </p:par>
+    </p:tnLst>
+  </p:timing>
+</p:sld>
+</file>
+
+<file path=ppt/slides/slide21.xml><?xml version="1.0" encoding="utf-8"?>
+<p:sld xmlns:a="http://schemas.openxmlformats.org/drawingml/2006/main" xmlns:r="http://schemas.openxmlformats.org/officeDocument/2006/relationships" xmlns:p="http://schemas.openxmlformats.org/presentationml/2006/main">
+  <p:cSld>
+    <p:spTree>
+      <p:nvGrpSpPr>
+        <p:cNvPr id="1" name=""/>
+        <p:cNvGrpSpPr/>
+        <p:nvPr/>
+      </p:nvGrpSpPr>
+      <p:grpSpPr>
+        <a:xfrm>
+          <a:off x="0" y="0"/>
+          <a:ext cx="0" cy="0"/>
+          <a:chOff x="0" y="0"/>
+          <a:chExt cx="0" cy="0"/>
+        </a:xfrm>
+      </p:grpSpPr>
+      <p:sp>
+        <p:nvSpPr>
+          <p:cNvPr id="2" name="Title 1"/>
+          <p:cNvSpPr>
+            <a:spLocks noGrp="1"/>
+          </p:cNvSpPr>
+          <p:nvPr>
+            <p:ph type="title"/>
+          </p:nvPr>
+        </p:nvSpPr>
+        <p:spPr/>
+        <p:txBody>
+          <a:bodyPr>
+            <a:normAutofit fontScale="90000"/>
+          </a:bodyPr>
+          <a:lstStyle/>
+          <a:p>
+            <a:r>
+              <a:rPr lang="en-US" dirty="0" smtClean="0"/>
+              <a:t>Appendix1: Emotion Model Strategy</a:t>
+            </a:r>
+            <a:endParaRPr lang="en-US" dirty="0"/>
+          </a:p>
+        </p:txBody>
+      </p:sp>
+      <p:sp>
+        <p:nvSpPr>
+          <p:cNvPr id="4" name="TextBox 3"/>
+          <p:cNvSpPr txBox="1"/>
+          <p:nvPr/>
+        </p:nvSpPr>
+        <p:spPr>
+          <a:xfrm>
+            <a:off x="441367" y="1724882"/>
+            <a:ext cx="8053256" cy="2585323"/>
+          </a:xfrm>
+          <a:prstGeom prst="rect">
+            <a:avLst/>
+          </a:prstGeom>
+          <a:noFill/>
+        </p:spPr>
+        <p:txBody>
+          <a:bodyPr wrap="none" rtlCol="0">
+            <a:spAutoFit/>
+          </a:bodyPr>
+          <a:lstStyle/>
+          <a:p>
+            <a:r>
+              <a:rPr lang="en-US" b="1" dirty="0" err="1" smtClean="0">
+                <a:latin typeface="Consolas"/>
+                <a:cs typeface="Consolas"/>
+              </a:rPr>
+              <a:t>val</a:t>
+            </a:r>
+            <a:r>
+              <a:rPr lang="en-US" dirty="0" smtClean="0">
+                <a:latin typeface="Consolas"/>
+                <a:cs typeface="Consolas"/>
+              </a:rPr>
+              <a:t> emoStrategy1 = mask[Unit or </a:t>
+            </a:r>
+            <a:r>
+              <a:rPr lang="en-US" dirty="0" err="1" smtClean="0">
+                <a:latin typeface="Consolas"/>
+                <a:cs typeface="Consolas"/>
+              </a:rPr>
+              <a:t>BasicEmotions</a:t>
+            </a:r>
+            <a:r>
+              <a:rPr lang="en-US" dirty="0" smtClean="0">
+                <a:latin typeface="Consolas"/>
+                <a:cs typeface="Consolas"/>
+              </a:rPr>
+              <a:t>]({</a:t>
+            </a:r>
+          </a:p>
+          <a:p>
+            <a:r>
+              <a:rPr lang="en-US" dirty="0" smtClean="0">
+                <a:latin typeface="Consolas"/>
+                <a:cs typeface="Consolas"/>
+              </a:rPr>
+              <a:t>    </a:t>
+            </a:r>
+            <a:r>
+              <a:rPr lang="en-US" b="1" dirty="0" smtClean="0">
+                <a:latin typeface="Consolas"/>
+                <a:cs typeface="Consolas"/>
+              </a:rPr>
+              <a:t>case</a:t>
+            </a:r>
+            <a:r>
+              <a:rPr lang="en-US" dirty="0" smtClean="0">
+                <a:latin typeface="Consolas"/>
+                <a:cs typeface="Consolas"/>
+              </a:rPr>
+              <a:t> None =&gt; None</a:t>
+            </a:r>
+          </a:p>
+          <a:p>
+            <a:r>
+              <a:rPr lang="en-US" dirty="0" smtClean="0">
+                <a:latin typeface="Consolas"/>
+                <a:cs typeface="Consolas"/>
+              </a:rPr>
+              <a:t>    </a:t>
+            </a:r>
+            <a:r>
+              <a:rPr lang="en-US" b="1" dirty="0" smtClean="0">
+                <a:latin typeface="Consolas"/>
+                <a:cs typeface="Consolas"/>
+              </a:rPr>
+              <a:t>case</a:t>
+            </a:r>
+            <a:r>
+              <a:rPr lang="en-US" dirty="0" smtClean="0">
+                <a:latin typeface="Consolas"/>
+                <a:cs typeface="Consolas"/>
+              </a:rPr>
+              <a:t> Some(morph) =&gt; </a:t>
+            </a:r>
+            <a:r>
+              <a:rPr lang="en-US" dirty="0" err="1" smtClean="0">
+                <a:latin typeface="Consolas"/>
+                <a:cs typeface="Consolas"/>
+              </a:rPr>
+              <a:t>morph.getFirstEmotion</a:t>
+            </a:r>
+            <a:endParaRPr lang="en-US" dirty="0" smtClean="0">
+              <a:latin typeface="Consolas"/>
+              <a:cs typeface="Consolas"/>
+            </a:endParaRPr>
+          </a:p>
+          <a:p>
+            <a:r>
+              <a:rPr lang="en-US" dirty="0" smtClean="0">
+                <a:latin typeface="Consolas"/>
+                <a:cs typeface="Consolas"/>
+              </a:rPr>
+              <a:t>})</a:t>
+            </a:r>
+          </a:p>
+          <a:p>
+            <a:endParaRPr lang="en-US" dirty="0" smtClean="0">
+              <a:latin typeface="Consolas"/>
+              <a:cs typeface="Consolas"/>
+            </a:endParaRPr>
+          </a:p>
+          <a:p>
+            <a:r>
+              <a:rPr lang="en-US" b="1" dirty="0" err="1" smtClean="0">
+                <a:latin typeface="Consolas"/>
+                <a:cs typeface="Consolas"/>
+              </a:rPr>
+              <a:t>val</a:t>
+            </a:r>
+            <a:r>
+              <a:rPr lang="en-US" dirty="0" smtClean="0">
+                <a:latin typeface="Consolas"/>
+                <a:cs typeface="Consolas"/>
+              </a:rPr>
+              <a:t> emoStrategy2 = mask[Unit or </a:t>
+            </a:r>
+            <a:r>
+              <a:rPr lang="en-US" dirty="0" err="1" smtClean="0">
+                <a:latin typeface="Consolas"/>
+                <a:cs typeface="Consolas"/>
+              </a:rPr>
+              <a:t>BasicEmotions</a:t>
+            </a:r>
+            <a:r>
+              <a:rPr lang="en-US" dirty="0" smtClean="0">
+                <a:latin typeface="Consolas"/>
+                <a:cs typeface="Consolas"/>
+              </a:rPr>
+              <a:t>](emoStrategy1, {</a:t>
+            </a:r>
+          </a:p>
+          <a:p>
+            <a:r>
+              <a:rPr lang="en-US" dirty="0" smtClean="0">
+                <a:latin typeface="Consolas"/>
+                <a:cs typeface="Consolas"/>
+              </a:rPr>
+              <a:t>    </a:t>
+            </a:r>
+            <a:r>
+              <a:rPr lang="en-US" b="1" dirty="0" smtClean="0">
+                <a:latin typeface="Consolas"/>
+                <a:cs typeface="Consolas"/>
+              </a:rPr>
+              <a:t>case</a:t>
+            </a:r>
+            <a:r>
+              <a:rPr lang="en-US" dirty="0" smtClean="0">
+                <a:latin typeface="Consolas"/>
+                <a:cs typeface="Consolas"/>
+              </a:rPr>
+              <a:t> None =&gt; None</a:t>
+            </a:r>
+          </a:p>
+          <a:p>
+            <a:r>
+              <a:rPr lang="en-US" dirty="0" smtClean="0">
+                <a:latin typeface="Consolas"/>
+                <a:cs typeface="Consolas"/>
+              </a:rPr>
+              <a:t>    </a:t>
+            </a:r>
+            <a:r>
+              <a:rPr lang="en-US" b="1" dirty="0" smtClean="0">
+                <a:latin typeface="Consolas"/>
+                <a:cs typeface="Consolas"/>
+              </a:rPr>
+              <a:t>case</a:t>
+            </a:r>
+            <a:r>
+              <a:rPr lang="en-US" dirty="0" smtClean="0">
+                <a:latin typeface="Consolas"/>
+                <a:cs typeface="Consolas"/>
+              </a:rPr>
+              <a:t> Some(morph) =&gt; </a:t>
+            </a:r>
+            <a:r>
+              <a:rPr lang="en-US" dirty="0" err="1" smtClean="0">
+                <a:latin typeface="Consolas"/>
+                <a:cs typeface="Consolas"/>
+              </a:rPr>
+              <a:t>morph.getSecondEmotion</a:t>
+            </a:r>
+            <a:endParaRPr lang="en-US" dirty="0" smtClean="0">
+              <a:latin typeface="Consolas"/>
+              <a:cs typeface="Consolas"/>
+            </a:endParaRPr>
+          </a:p>
+          <a:p>
+            <a:r>
+              <a:rPr lang="en-US" dirty="0" smtClean="0">
+                <a:latin typeface="Consolas"/>
+                <a:cs typeface="Consolas"/>
+              </a:rPr>
+              <a:t>})</a:t>
+            </a:r>
+          </a:p>
+        </p:txBody>
+      </p:sp>
+    </p:spTree>
+    <p:extLst>
+      <p:ext uri="{BB962C8B-B14F-4D97-AF65-F5344CB8AC3E}">
+        <p14:creationId xmlns:p14="http://schemas.microsoft.com/office/powerpoint/2010/main" val="3511027826"/>
+      </p:ext>
+    </p:extLst>
+  </p:cSld>
+  <p:clrMapOvr>
+    <a:masterClrMapping/>
+  </p:clrMapOvr>
+  <p:timing>
+    <p:tnLst>
+      <p:par>
+        <p:cTn xmlns:p14="http://schemas.microsoft.com/office/powerpoint/2010/main" id="1" dur="indefinite" restart="never" nodeType="tmRoot"/>
+      </p:par>
+    </p:tnLst>
+  </p:timing>
+</p:sld>
+</file>
+
+<file path=ppt/slides/slide22.xml><?xml version="1.0" encoding="utf-8"?>
+<p:sld xmlns:a="http://schemas.openxmlformats.org/drawingml/2006/main" xmlns:r="http://schemas.openxmlformats.org/officeDocument/2006/relationships" xmlns:p="http://schemas.openxmlformats.org/presentationml/2006/main">
+  <p:cSld>
+    <p:spTree>
+      <p:nvGrpSpPr>
+        <p:cNvPr id="1" name=""/>
+        <p:cNvGrpSpPr/>
+        <p:nvPr/>
+      </p:nvGrpSpPr>
+      <p:grpSpPr>
+        <a:xfrm>
+          <a:off x="0" y="0"/>
+          <a:ext cx="0" cy="0"/>
+          <a:chOff x="0" y="0"/>
+          <a:chExt cx="0" cy="0"/>
+        </a:xfrm>
+      </p:grpSpPr>
+      <p:sp>
+        <p:nvSpPr>
+          <p:cNvPr id="2" name="Title 1"/>
+          <p:cNvSpPr>
+            <a:spLocks noGrp="1"/>
+          </p:cNvSpPr>
+          <p:nvPr>
+            <p:ph type="title"/>
+          </p:nvPr>
+        </p:nvSpPr>
+        <p:spPr/>
+        <p:txBody>
+          <a:bodyPr/>
+          <a:lstStyle/>
+          <a:p>
+            <a:r>
+              <a:rPr lang="en-US" dirty="0" smtClean="0"/>
+              <a:t>Appendix 2: Muscle Stimulation</a:t>
+            </a:r>
+            <a:endParaRPr lang="en-US" dirty="0"/>
+          </a:p>
+        </p:txBody>
+      </p:sp>
+      <p:pic>
+        <p:nvPicPr>
+          <p:cNvPr id="5" name="Picture 4" descr="Screen Shot 2015-11-18 at 21.09.41.png"/>
+          <p:cNvPicPr>
+            <a:picLocks noChangeAspect="1"/>
+          </p:cNvPicPr>
+          <p:nvPr/>
+        </p:nvPicPr>
+        <p:blipFill>
+          <a:blip r:embed="rId2">
+            <a:extLst>
+              <a:ext uri="{28A0092B-C50C-407E-A947-70E740481C1C}">
+                <a14:useLocalDpi xmlns:a14="http://schemas.microsoft.com/office/drawing/2010/main" val="0"/>
+              </a:ext>
+            </a:extLst>
+          </a:blip>
+          <a:stretch>
+            <a:fillRect/>
+          </a:stretch>
+        </p:blipFill>
+        <p:spPr>
+          <a:xfrm>
+            <a:off x="1104599" y="1692134"/>
+            <a:ext cx="6299200" cy="4876800"/>
+          </a:xfrm>
+          <a:prstGeom prst="rect">
+            <a:avLst/>
+          </a:prstGeom>
+        </p:spPr>
+      </p:pic>
+      <p:sp>
+        <p:nvSpPr>
+          <p:cNvPr id="6" name="TextBox 5"/>
+          <p:cNvSpPr txBox="1"/>
+          <p:nvPr/>
+        </p:nvSpPr>
+        <p:spPr>
+          <a:xfrm>
+            <a:off x="2661486" y="6427566"/>
+            <a:ext cx="6482514" cy="646331"/>
+          </a:xfrm>
+          <a:prstGeom prst="rect">
+            <a:avLst/>
+          </a:prstGeom>
+          <a:noFill/>
+        </p:spPr>
+        <p:txBody>
+          <a:bodyPr wrap="none" rtlCol="0">
+            <a:spAutoFit/>
+          </a:bodyPr>
+          <a:lstStyle/>
+          <a:p>
+            <a:pPr marL="0" lvl="1"/>
+            <a:r>
+              <a:rPr lang="en-US" dirty="0"/>
+              <a:t>http://</a:t>
+            </a:r>
+            <a:r>
+              <a:rPr lang="en-US" dirty="0" err="1"/>
+              <a:t>www.grimace-project.net</a:t>
+            </a:r>
+            <a:r>
+              <a:rPr lang="en-US" dirty="0"/>
+              <a:t>/assets/</a:t>
+            </a:r>
+            <a:r>
+              <a:rPr lang="en-US" dirty="0" err="1"/>
+              <a:t>affectivespaceinterfaces.pdf</a:t>
+            </a:r>
+            <a:endParaRPr lang="en-US" dirty="0"/>
+          </a:p>
+          <a:p>
+            <a:endParaRPr lang="en-US" dirty="0"/>
+          </a:p>
+        </p:txBody>
+      </p:sp>
+    </p:spTree>
+    <p:extLst>
+      <p:ext uri="{BB962C8B-B14F-4D97-AF65-F5344CB8AC3E}">
+        <p14:creationId xmlns:p14="http://schemas.microsoft.com/office/powerpoint/2010/main" val="1255797020"/>
       </p:ext>
     </p:extLst>
   </p:cSld>
@@ -9616,10 +11863,15 @@
             <p:ph sz="quarter" idx="1"/>
           </p:nvPr>
         </p:nvSpPr>
-        <p:spPr/>
+        <p:spPr>
+          <a:xfrm>
+            <a:off x="612648" y="1600200"/>
+            <a:ext cx="8153400" cy="5124116"/>
+          </a:xfrm>
+        </p:spPr>
         <p:txBody>
           <a:bodyPr>
-            <a:normAutofit/>
+            <a:normAutofit lnSpcReduction="10000"/>
           </a:bodyPr>
           <a:lstStyle/>
           <a:p>
@@ -9629,10 +11881,26 @@
             </a:r>
             <a:r>
               <a:rPr lang="en-US" dirty="0"/>
-              <a:t>capability of an object to assume one or more forms defined by the object's morph </a:t>
+              <a:t>capability of an object to assume one or more forms </a:t>
+            </a:r>
+            <a:r>
+              <a:rPr lang="en-US" b="1" dirty="0" smtClean="0"/>
+              <a:t>specified</a:t>
             </a:r>
             <a:r>
               <a:rPr lang="en-US" dirty="0" smtClean="0"/>
+              <a:t> </a:t>
+            </a:r>
+            <a:r>
+              <a:rPr lang="en-US" dirty="0"/>
+              <a:t>by the object's </a:t>
+            </a:r>
+            <a:r>
+              <a:rPr lang="en-US" b="1" dirty="0"/>
+              <a:t>morph </a:t>
+            </a:r>
+            <a:r>
+              <a:rPr lang="en-US" b="1" dirty="0" smtClean="0"/>
               <a:t>model</a:t>
             </a:r>
           </a:p>
@@ -9645,6 +11913,13 @@
           <a:p>
             <a:pPr lvl="1"/>
             <a:r>
+              <a:rPr lang="en-US" dirty="0" smtClean="0"/>
+              <a:t>An analogy to a class</a:t>
+            </a:r>
+          </a:p>
+          <a:p>
+            <a:pPr lvl="1"/>
+            <a:r>
               <a:rPr lang="en-US" b="1" dirty="0" smtClean="0"/>
               <a:t>Verified at compile-time</a:t>
             </a:r>
@@ -9700,6 +11975,16 @@
             <a:r>
               <a:rPr lang="en-US" dirty="0" smtClean="0"/>
               <a:t>: governs the mutation of the morph</a:t>
+            </a:r>
+          </a:p>
+          <a:p>
+            <a:r>
+              <a:rPr lang="en-US" b="1" dirty="0" smtClean="0"/>
+              <a:t>Morpheus</a:t>
+            </a:r>
+            <a:r>
+              <a:rPr lang="en-US" dirty="0" smtClean="0"/>
+              <a:t>: A P-o-C implementation of OM in Scala</a:t>
             </a:r>
             <a:endParaRPr lang="en-US" dirty="0"/>
           </a:p>
@@ -9818,7 +12103,7 @@
           <p:nvPr/>
         </p:nvPicPr>
         <p:blipFill>
-          <a:blip r:embed="rId2" cstate="print">
+          <a:blip r:embed="rId3" cstate="print">
             <a:extLst>
               <a:ext uri="{28A0092B-C50C-407E-A947-70E740481C1C}">
                 <a14:useLocalDpi xmlns:a14="http://schemas.microsoft.com/office/drawing/2010/main" val="0"/>
@@ -10196,8 +12481,8 @@
         </p:nvSpPr>
         <p:spPr>
           <a:xfrm>
-            <a:off x="784376" y="5423147"/>
-            <a:ext cx="7981672" cy="1200328"/>
+            <a:off x="182797" y="5423147"/>
+            <a:ext cx="8738290" cy="1200328"/>
           </a:xfrm>
           <a:prstGeom prst="rect">
             <a:avLst/>
@@ -10216,7 +12501,7 @@
             </a:pPr>
             <a:r>
               <a:rPr lang="en-US" sz="2400" dirty="0" smtClean="0"/>
-              <a:t>Each model actually represents one view on the human being</a:t>
+              <a:t>Each morph model actually represents one view on the human being</a:t>
             </a:r>
           </a:p>
           <a:p>
@@ -10532,4 +12817,324 @@
   </a:objectDefaults>
   <a:extraClrSchemeLst/>
 </a:theme>
+</file>
+
+<file path=ppt/theme/theme2.xml><?xml version="1.0" encoding="utf-8"?>
+<a:theme xmlns:a="http://schemas.openxmlformats.org/drawingml/2006/main" name="Office Theme">
+  <a:themeElements>
+    <a:clrScheme name="Office">
+      <a:dk1>
+        <a:sysClr val="windowText" lastClr="000000"/>
+      </a:dk1>
+      <a:lt1>
+        <a:sysClr val="window" lastClr="FFFFFF"/>
+      </a:lt1>
+      <a:dk2>
+        <a:srgbClr val="1F497D"/>
+      </a:dk2>
+      <a:lt2>
+        <a:srgbClr val="EEECE1"/>
+      </a:lt2>
+      <a:accent1>
+        <a:srgbClr val="4F81BD"/>
+      </a:accent1>
+      <a:accent2>
+        <a:srgbClr val="C0504D"/>
+      </a:accent2>
+      <a:accent3>
+        <a:srgbClr val="9BBB59"/>
+      </a:accent3>
+      <a:accent4>
+        <a:srgbClr val="8064A2"/>
+      </a:accent4>
+      <a:accent5>
+        <a:srgbClr val="4BACC6"/>
+      </a:accent5>
+      <a:accent6>
+        <a:srgbClr val="F79646"/>
+      </a:accent6>
+      <a:hlink>
+        <a:srgbClr val="0000FF"/>
+      </a:hlink>
+      <a:folHlink>
+        <a:srgbClr val="800080"/>
+      </a:folHlink>
+    </a:clrScheme>
+    <a:fontScheme name="Office">
+      <a:majorFont>
+        <a:latin typeface="Calibri"/>
+        <a:ea typeface=""/>
+        <a:cs typeface=""/>
+        <a:font script="Jpan" typeface="ＭＳ Ｐゴシック"/>
+        <a:font script="Hang" typeface="맑은 고딕"/>
+        <a:font script="Hans" typeface="宋体"/>
+        <a:font script="Hant" typeface="新細明體"/>
+        <a:font script="Arab" typeface="Times New Roman"/>
+        <a:font script="Hebr" typeface="Times New Roman"/>
+        <a:font script="Thai" typeface="Angsana New"/>
+        <a:font script="Ethi" typeface="Nyala"/>
+        <a:font script="Beng" typeface="Vrinda"/>
+        <a:font script="Gujr" typeface="Shruti"/>
+        <a:font script="Khmr" typeface="MoolBoran"/>
+        <a:font script="Knda" typeface="Tunga"/>
+        <a:font script="Guru" typeface="Raavi"/>
+        <a:font script="Cans" typeface="Euphemia"/>
+        <a:font script="Cher" typeface="Plantagenet Cherokee"/>
+        <a:font script="Yiii" typeface="Microsoft Yi Baiti"/>
+        <a:font script="Tibt" typeface="Microsoft Himalaya"/>
+        <a:font script="Thaa" typeface="MV Boli"/>
+        <a:font script="Deva" typeface="Mangal"/>
+        <a:font script="Telu" typeface="Gautami"/>
+        <a:font script="Taml" typeface="Latha"/>
+        <a:font script="Syrc" typeface="Estrangelo Edessa"/>
+        <a:font script="Orya" typeface="Kalinga"/>
+        <a:font script="Mlym" typeface="Kartika"/>
+        <a:font script="Laoo" typeface="DokChampa"/>
+        <a:font script="Sinh" typeface="Iskoola Pota"/>
+        <a:font script="Mong" typeface="Mongolian Baiti"/>
+        <a:font script="Viet" typeface="Times New Roman"/>
+        <a:font script="Uigh" typeface="Microsoft Uighur"/>
+        <a:font script="Geor" typeface="Sylfaen"/>
+      </a:majorFont>
+      <a:minorFont>
+        <a:latin typeface="Calibri"/>
+        <a:ea typeface=""/>
+        <a:cs typeface=""/>
+        <a:font script="Jpan" typeface="ＭＳ Ｐゴシック"/>
+        <a:font script="Hang" typeface="맑은 고딕"/>
+        <a:font script="Hans" typeface="宋体"/>
+        <a:font script="Hant" typeface="新細明體"/>
+        <a:font script="Arab" typeface="Arial"/>
+        <a:font script="Hebr" typeface="Arial"/>
+        <a:font script="Thai" typeface="Cordia New"/>
+        <a:font script="Ethi" typeface="Nyala"/>
+        <a:font script="Beng" typeface="Vrinda"/>
+        <a:font script="Gujr" typeface="Shruti"/>
+        <a:font script="Khmr" typeface="DaunPenh"/>
+        <a:font script="Knda" typeface="Tunga"/>
+        <a:font script="Guru" typeface="Raavi"/>
+        <a:font script="Cans" typeface="Euphemia"/>
+        <a:font script="Cher" typeface="Plantagenet Cherokee"/>
+        <a:font script="Yiii" typeface="Microsoft Yi Baiti"/>
+        <a:font script="Tibt" typeface="Microsoft Himalaya"/>
+        <a:font script="Thaa" typeface="MV Boli"/>
+        <a:font script="Deva" typeface="Mangal"/>
+        <a:font script="Telu" typeface="Gautami"/>
+        <a:font script="Taml" typeface="Latha"/>
+        <a:font script="Syrc" typeface="Estrangelo Edessa"/>
+        <a:font script="Orya" typeface="Kalinga"/>
+        <a:font script="Mlym" typeface="Kartika"/>
+        <a:font script="Laoo" typeface="DokChampa"/>
+        <a:font script="Sinh" typeface="Iskoola Pota"/>
+        <a:font script="Mong" typeface="Mongolian Baiti"/>
+        <a:font script="Viet" typeface="Arial"/>
+        <a:font script="Uigh" typeface="Microsoft Uighur"/>
+        <a:font script="Geor" typeface="Sylfaen"/>
+      </a:minorFont>
+    </a:fontScheme>
+    <a:fmtScheme name="Office">
+      <a:fillStyleLst>
+        <a:solidFill>
+          <a:schemeClr val="phClr"/>
+        </a:solidFill>
+        <a:gradFill rotWithShape="1">
+          <a:gsLst>
+            <a:gs pos="0">
+              <a:schemeClr val="phClr">
+                <a:tint val="50000"/>
+                <a:satMod val="300000"/>
+              </a:schemeClr>
+            </a:gs>
+            <a:gs pos="35000">
+              <a:schemeClr val="phClr">
+                <a:tint val="37000"/>
+                <a:satMod val="300000"/>
+              </a:schemeClr>
+            </a:gs>
+            <a:gs pos="100000">
+              <a:schemeClr val="phClr">
+                <a:tint val="15000"/>
+                <a:satMod val="350000"/>
+              </a:schemeClr>
+            </a:gs>
+          </a:gsLst>
+          <a:lin ang="16200000" scaled="1"/>
+        </a:gradFill>
+        <a:gradFill rotWithShape="1">
+          <a:gsLst>
+            <a:gs pos="0">
+              <a:schemeClr val="phClr">
+                <a:tint val="100000"/>
+                <a:shade val="100000"/>
+                <a:satMod val="130000"/>
+              </a:schemeClr>
+            </a:gs>
+            <a:gs pos="100000">
+              <a:schemeClr val="phClr">
+                <a:tint val="50000"/>
+                <a:shade val="100000"/>
+                <a:satMod val="350000"/>
+              </a:schemeClr>
+            </a:gs>
+          </a:gsLst>
+          <a:lin ang="16200000" scaled="0"/>
+        </a:gradFill>
+      </a:fillStyleLst>
+      <a:lnStyleLst>
+        <a:ln w="9525" cap="flat" cmpd="sng" algn="ctr">
+          <a:solidFill>
+            <a:schemeClr val="phClr">
+              <a:shade val="95000"/>
+              <a:satMod val="105000"/>
+            </a:schemeClr>
+          </a:solidFill>
+          <a:prstDash val="solid"/>
+        </a:ln>
+        <a:ln w="25400" cap="flat" cmpd="sng" algn="ctr">
+          <a:solidFill>
+            <a:schemeClr val="phClr"/>
+          </a:solidFill>
+          <a:prstDash val="solid"/>
+        </a:ln>
+        <a:ln w="38100" cap="flat" cmpd="sng" algn="ctr">
+          <a:solidFill>
+            <a:schemeClr val="phClr"/>
+          </a:solidFill>
+          <a:prstDash val="solid"/>
+        </a:ln>
+      </a:lnStyleLst>
+      <a:effectStyleLst>
+        <a:effectStyle>
+          <a:effectLst>
+            <a:outerShdw blurRad="40000" dist="20000" dir="5400000" rotWithShape="0">
+              <a:srgbClr val="000000">
+                <a:alpha val="38000"/>
+              </a:srgbClr>
+            </a:outerShdw>
+          </a:effectLst>
+        </a:effectStyle>
+        <a:effectStyle>
+          <a:effectLst>
+            <a:outerShdw blurRad="40000" dist="23000" dir="5400000" rotWithShape="0">
+              <a:srgbClr val="000000">
+                <a:alpha val="35000"/>
+              </a:srgbClr>
+            </a:outerShdw>
+          </a:effectLst>
+        </a:effectStyle>
+        <a:effectStyle>
+          <a:effectLst>
+            <a:outerShdw blurRad="40000" dist="23000" dir="5400000" rotWithShape="0">
+              <a:srgbClr val="000000">
+                <a:alpha val="35000"/>
+              </a:srgbClr>
+            </a:outerShdw>
+          </a:effectLst>
+          <a:scene3d>
+            <a:camera prst="orthographicFront">
+              <a:rot lat="0" lon="0" rev="0"/>
+            </a:camera>
+            <a:lightRig rig="threePt" dir="t">
+              <a:rot lat="0" lon="0" rev="1200000"/>
+            </a:lightRig>
+          </a:scene3d>
+          <a:sp3d>
+            <a:bevelT w="63500" h="25400"/>
+          </a:sp3d>
+        </a:effectStyle>
+      </a:effectStyleLst>
+      <a:bgFillStyleLst>
+        <a:solidFill>
+          <a:schemeClr val="phClr"/>
+        </a:solidFill>
+        <a:gradFill rotWithShape="1">
+          <a:gsLst>
+            <a:gs pos="0">
+              <a:schemeClr val="phClr">
+                <a:tint val="40000"/>
+                <a:satMod val="350000"/>
+              </a:schemeClr>
+            </a:gs>
+            <a:gs pos="40000">
+              <a:schemeClr val="phClr">
+                <a:tint val="45000"/>
+                <a:shade val="99000"/>
+                <a:satMod val="350000"/>
+              </a:schemeClr>
+            </a:gs>
+            <a:gs pos="100000">
+              <a:schemeClr val="phClr">
+                <a:shade val="20000"/>
+                <a:satMod val="255000"/>
+              </a:schemeClr>
+            </a:gs>
+          </a:gsLst>
+          <a:path path="circle">
+            <a:fillToRect l="50000" t="-80000" r="50000" b="180000"/>
+          </a:path>
+        </a:gradFill>
+        <a:gradFill rotWithShape="1">
+          <a:gsLst>
+            <a:gs pos="0">
+              <a:schemeClr val="phClr">
+                <a:tint val="80000"/>
+                <a:satMod val="300000"/>
+              </a:schemeClr>
+            </a:gs>
+            <a:gs pos="100000">
+              <a:schemeClr val="phClr">
+                <a:shade val="30000"/>
+                <a:satMod val="200000"/>
+              </a:schemeClr>
+            </a:gs>
+          </a:gsLst>
+          <a:path path="circle">
+            <a:fillToRect l="50000" t="50000" r="50000" b="50000"/>
+          </a:path>
+        </a:gradFill>
+      </a:bgFillStyleLst>
+    </a:fmtScheme>
+  </a:themeElements>
+  <a:objectDefaults>
+    <a:spDef>
+      <a:spPr/>
+      <a:bodyPr/>
+      <a:lstStyle/>
+      <a:style>
+        <a:lnRef idx="1">
+          <a:schemeClr val="accent1"/>
+        </a:lnRef>
+        <a:fillRef idx="3">
+          <a:schemeClr val="accent1"/>
+        </a:fillRef>
+        <a:effectRef idx="2">
+          <a:schemeClr val="accent1"/>
+        </a:effectRef>
+        <a:fontRef idx="minor">
+          <a:schemeClr val="lt1"/>
+        </a:fontRef>
+      </a:style>
+    </a:spDef>
+    <a:lnDef>
+      <a:spPr/>
+      <a:bodyPr/>
+      <a:lstStyle/>
+      <a:style>
+        <a:lnRef idx="2">
+          <a:schemeClr val="accent1"/>
+        </a:lnRef>
+        <a:fillRef idx="0">
+          <a:schemeClr val="accent1"/>
+        </a:fillRef>
+        <a:effectRef idx="1">
+          <a:schemeClr val="accent1"/>
+        </a:effectRef>
+        <a:fontRef idx="minor">
+          <a:schemeClr val="tx1"/>
+        </a:fontRef>
+      </a:style>
+    </a:lnDef>
+  </a:objectDefaults>
+  <a:extraClrSchemeLst/>
+</a:theme>
 </file>
--- a/src/main/doc/papers/sdot2015.pptx
+++ b/src/main/doc/papers/sdot2015.pptx
@@ -5,7 +5,7 @@
     <p:sldMasterId id="2147483660" r:id="rId1"/>
   </p:sldMasterIdLst>
   <p:notesMasterIdLst>
-    <p:notesMasterId r:id="rId24"/>
+    <p:notesMasterId r:id="rId25"/>
   </p:notesMasterIdLst>
   <p:sldIdLst>
     <p:sldId id="256" r:id="rId2"/>
@@ -30,6 +30,7 @@
     <p:sldId id="277" r:id="rId21"/>
     <p:sldId id="275" r:id="rId22"/>
     <p:sldId id="278" r:id="rId23"/>
+    <p:sldId id="279" r:id="rId24"/>
   </p:sldIdLst>
   <p:sldSz cx="9144000" cy="6858000" type="screen4x3"/>
   <p:notesSz cx="6858000" cy="9144000"/>
@@ -654,15 +655,7 @@
             </a:r>
             <a:r>
               <a:rPr lang="en-US" baseline="0" dirty="0" smtClean="0"/>
-              <a:t>special algebra </a:t>
-            </a:r>
-            <a:r>
-              <a:rPr lang="en-US" baseline="0" smtClean="0"/>
-              <a:t>formulas having </a:t>
-            </a:r>
-            <a:r>
-              <a:rPr lang="en-US" baseline="0" dirty="0" smtClean="0"/>
-              <a:t>the distributive property.</a:t>
+              <a:t>special algebra formulas having the distributive property.</a:t>
             </a:r>
             <a:endParaRPr lang="en-US" dirty="0"/>
           </a:p>
@@ -1341,7 +1334,7 @@
           <a:p>
             <a:r>
               <a:rPr lang="en-US" baseline="0" dirty="0" smtClean="0"/>
-              <a:t>It seem there is a gap between the two worlds: the static and dynamic ones. And it seems that the modeling of protean objects falls into this gap.</a:t>
+              <a:t>It seems there is a gap between the two worlds: the static and dynamic ones. And it seems that the modeling of protean objects falls into this gap.</a:t>
             </a:r>
           </a:p>
           <a:p>
@@ -1448,6 +1441,15 @@
             <a:r>
               <a:rPr lang="en-US" baseline="0" dirty="0" smtClean="0"/>
               <a:t> metamorphism can be described as …</a:t>
+            </a:r>
+          </a:p>
+          <a:p>
+            <a:endParaRPr lang="en-US" baseline="0" dirty="0" smtClean="0"/>
+          </a:p>
+          <a:p>
+            <a:r>
+              <a:rPr lang="en-US" baseline="0" dirty="0" smtClean="0"/>
+              <a:t>So the pivotal concept of OM is the morph model.</a:t>
             </a:r>
           </a:p>
           <a:p>
@@ -5568,6 +5570,40 @@
               <a:t>Type-safe Modeling of Protean Objects</a:t>
             </a:r>
             <a:endParaRPr lang="en-US" dirty="0"/>
+          </a:p>
+        </p:txBody>
+      </p:sp>
+      <p:sp>
+        <p:nvSpPr>
+          <p:cNvPr id="4" name="TextBox 3"/>
+          <p:cNvSpPr txBox="1"/>
+          <p:nvPr/>
+        </p:nvSpPr>
+        <p:spPr>
+          <a:xfrm>
+            <a:off x="80208" y="6194560"/>
+            <a:ext cx="2071601" cy="461665"/>
+          </a:xfrm>
+          <a:prstGeom prst="rect">
+            <a:avLst/>
+          </a:prstGeom>
+          <a:noFill/>
+        </p:spPr>
+        <p:txBody>
+          <a:bodyPr wrap="none" rtlCol="0">
+            <a:spAutoFit/>
+          </a:bodyPr>
+          <a:lstStyle/>
+          <a:p>
+            <a:r>
+              <a:rPr lang="en-US" sz="2400" dirty="0" smtClean="0"/>
+              <a:t>Zbyněk </a:t>
+            </a:r>
+            <a:r>
+              <a:rPr lang="en-US" sz="2400" dirty="0" smtClean="0"/>
+              <a:t>Šlajchrt</a:t>
+            </a:r>
+            <a:endParaRPr lang="en-US" sz="2400" dirty="0"/>
           </a:p>
         </p:txBody>
       </p:sp>
@@ -6442,8 +6478,8 @@
         </p:nvSpPr>
         <p:spPr>
           <a:xfrm>
-            <a:off x="452478" y="1745375"/>
-            <a:ext cx="8153400" cy="5355313"/>
+            <a:off x="452478" y="1491383"/>
+            <a:ext cx="8153400" cy="5632312"/>
           </a:xfrm>
           <a:prstGeom prst="rect">
             <a:avLst/>
@@ -6468,21 +6504,7 @@
                 <a:latin typeface="Consolas"/>
                 <a:cs typeface="Consolas"/>
               </a:rPr>
-              <a:t> </a:t>
-            </a:r>
-            <a:r>
-              <a:rPr lang="en-US" dirty="0" err="1" smtClean="0">
-                <a:latin typeface="Consolas"/>
-                <a:cs typeface="Consolas"/>
-              </a:rPr>
-              <a:t>BasicEmotions</a:t>
-            </a:r>
-            <a:r>
-              <a:rPr lang="en-US" dirty="0" smtClean="0">
-                <a:latin typeface="Consolas"/>
-                <a:cs typeface="Consolas"/>
-              </a:rPr>
-              <a:t> = Joy </a:t>
+              <a:t> Emotions1D = Joy </a:t>
             </a:r>
             <a:r>
               <a:rPr lang="en-US" b="1" dirty="0" smtClean="0">
@@ -6587,114 +6609,106 @@
                 <a:latin typeface="Consolas"/>
                 <a:cs typeface="Consolas"/>
               </a:rPr>
-              <a:t> Emotions = </a:t>
-            </a:r>
-          </a:p>
-          <a:p>
-            <a:r>
-              <a:rPr lang="en-US" dirty="0" smtClean="0">
-                <a:latin typeface="Consolas"/>
-                <a:cs typeface="Consolas"/>
-              </a:rPr>
-              <a:t>   </a:t>
-            </a:r>
-            <a:r>
-              <a:rPr lang="en-US" dirty="0" err="1" smtClean="0">
-                <a:latin typeface="Consolas"/>
-                <a:cs typeface="Consolas"/>
-              </a:rPr>
-              <a:t>EmotionBase</a:t>
-            </a:r>
-            <a:r>
-              <a:rPr lang="en-US" dirty="0" smtClean="0">
+              <a:t> Emotions2D = Emotions1D </a:t>
+            </a:r>
+            <a:r>
+              <a:rPr lang="en-US" b="1" dirty="0">
+                <a:latin typeface="Consolas"/>
+                <a:cs typeface="Consolas"/>
+              </a:rPr>
+              <a:t>with</a:t>
+            </a:r>
+            <a:r>
+              <a:rPr lang="en-US" dirty="0">
                 <a:latin typeface="Consolas"/>
                 <a:cs typeface="Consolas"/>
               </a:rPr>
               <a:t> </a:t>
             </a:r>
             <a:r>
-              <a:rPr lang="en-US" b="1" dirty="0" smtClean="0">
-                <a:latin typeface="Consolas"/>
-                <a:cs typeface="Consolas"/>
-              </a:rPr>
-              <a:t>with</a:t>
-            </a:r>
-            <a:r>
-              <a:rPr lang="en-US" dirty="0" smtClean="0">
-                <a:latin typeface="Consolas"/>
-                <a:cs typeface="Consolas"/>
-              </a:rPr>
-              <a:t> (</a:t>
-            </a:r>
-            <a:r>
-              <a:rPr lang="en-US" dirty="0" err="1" smtClean="0">
-                <a:latin typeface="Consolas"/>
-                <a:cs typeface="Consolas"/>
-              </a:rPr>
-              <a:t>BasicEmotions</a:t>
-            </a:r>
-            <a:r>
-              <a:rPr lang="en-US" dirty="0" smtClean="0">
-                <a:latin typeface="Consolas"/>
-                <a:cs typeface="Consolas"/>
-              </a:rPr>
-              <a:t> </a:t>
-            </a:r>
-            <a:r>
-              <a:rPr lang="en-US" b="1" dirty="0" smtClean="0">
-                <a:latin typeface="Consolas"/>
-                <a:cs typeface="Consolas"/>
-              </a:rPr>
-              <a:t>with</a:t>
-            </a:r>
-            <a:r>
-              <a:rPr lang="en-US" dirty="0" smtClean="0">
-                <a:latin typeface="Consolas"/>
-                <a:cs typeface="Consolas"/>
-              </a:rPr>
-              <a:t> </a:t>
-            </a:r>
-            <a:r>
-              <a:rPr lang="en-US" dirty="0" err="1" smtClean="0">
-                <a:latin typeface="Consolas"/>
-                <a:cs typeface="Consolas"/>
-              </a:rPr>
-              <a:t>BasicEmotions</a:t>
-            </a:r>
-            <a:r>
-              <a:rPr lang="en-US" dirty="0" smtClean="0">
-                <a:latin typeface="Consolas"/>
-                <a:cs typeface="Consolas"/>
-              </a:rPr>
-              <a:t>) </a:t>
-            </a:r>
-            <a:r>
-              <a:rPr lang="en-US" b="1" dirty="0" smtClean="0">
-                <a:latin typeface="Consolas"/>
-                <a:cs typeface="Consolas"/>
-              </a:rPr>
-              <a:t>with</a:t>
-            </a:r>
-          </a:p>
-          <a:p>
-            <a:r>
-              <a:rPr lang="en-US" dirty="0" smtClean="0">
-                <a:latin typeface="Consolas"/>
-                <a:cs typeface="Consolas"/>
-              </a:rPr>
-              <a:t>   </a:t>
-            </a:r>
-            <a:r>
-              <a:rPr lang="en-US" dirty="0" err="1" smtClean="0">
-                <a:latin typeface="Consolas"/>
-                <a:cs typeface="Consolas"/>
-              </a:rPr>
-              <a:t>TensionCalculator</a:t>
-            </a:r>
-            <a:endParaRPr lang="en-US" dirty="0" smtClean="0">
+              <a:rPr lang="en-US" dirty="0" smtClean="0">
+                <a:latin typeface="Consolas"/>
+                <a:cs typeface="Consolas"/>
+              </a:rPr>
+              <a:t>BasicEmotions1D</a:t>
+            </a:r>
+          </a:p>
+          <a:p>
+            <a:endParaRPr lang="en-US" b="1" dirty="0" smtClean="0">
               <a:latin typeface="Consolas"/>
               <a:cs typeface="Consolas"/>
             </a:endParaRPr>
+          </a:p>
+          <a:p>
+            <a:r>
+              <a:rPr lang="en-US" b="1" dirty="0" smtClean="0">
+                <a:latin typeface="Consolas"/>
+                <a:cs typeface="Consolas"/>
+              </a:rPr>
+              <a:t>type</a:t>
+            </a:r>
+            <a:r>
+              <a:rPr lang="en-US" dirty="0" smtClean="0">
+                <a:latin typeface="Consolas"/>
+                <a:cs typeface="Consolas"/>
+              </a:rPr>
+              <a:t> Emotions = </a:t>
+            </a:r>
+            <a:r>
+              <a:rPr lang="en-US" dirty="0" err="1" smtClean="0">
+                <a:latin typeface="Consolas"/>
+                <a:cs typeface="Consolas"/>
+              </a:rPr>
+              <a:t>EmotionBase</a:t>
+            </a:r>
+            <a:r>
+              <a:rPr lang="en-US" dirty="0" smtClean="0">
+                <a:latin typeface="Consolas"/>
+                <a:cs typeface="Consolas"/>
+              </a:rPr>
+              <a:t> </a:t>
+            </a:r>
+            <a:r>
+              <a:rPr lang="en-US" b="1" dirty="0" smtClean="0">
+                <a:latin typeface="Consolas"/>
+                <a:cs typeface="Consolas"/>
+              </a:rPr>
+              <a:t>with </a:t>
+            </a:r>
+            <a:r>
+              <a:rPr lang="en-US" dirty="0" err="1" smtClean="0">
+                <a:latin typeface="Consolas"/>
+                <a:cs typeface="Consolas"/>
+              </a:rPr>
+              <a:t>TensionCalculator</a:t>
+            </a:r>
+            <a:r>
+              <a:rPr lang="en-US" dirty="0" smtClean="0">
+                <a:latin typeface="Consolas"/>
+                <a:cs typeface="Consolas"/>
+              </a:rPr>
+              <a:t> </a:t>
+            </a:r>
+            <a:r>
+              <a:rPr lang="en-US" b="1" dirty="0" smtClean="0">
+                <a:latin typeface="Consolas"/>
+                <a:cs typeface="Consolas"/>
+              </a:rPr>
+              <a:t>with</a:t>
+            </a:r>
+            <a:br>
+              <a:rPr lang="en-US" b="1" dirty="0" smtClean="0">
+                <a:latin typeface="Consolas"/>
+                <a:cs typeface="Consolas"/>
+              </a:rPr>
+            </a:br>
+            <a:r>
+              <a:rPr lang="en-US" dirty="0" smtClean="0">
+                <a:latin typeface="Consolas"/>
+                <a:cs typeface="Consolas"/>
+              </a:rPr>
+              <a:t>  Emotions2D</a:t>
+            </a:r>
           </a:p>
           <a:p>
             <a:endParaRPr lang="en-US" dirty="0">
@@ -8234,14 +8248,21 @@
                 <a:latin typeface="Consolas"/>
                 <a:cs typeface="Consolas"/>
               </a:rPr>
-              <a:t>    m0.updateTension(</a:t>
+              <a:t>    m0.updateTension</a:t>
+            </a:r>
+            <a:r>
+              <a:rPr lang="en-US" dirty="0" smtClean="0">
+                <a:latin typeface="Consolas"/>
+                <a:cs typeface="Consolas"/>
+              </a:rPr>
+              <a:t>(</a:t>
             </a:r>
             <a:r>
               <a:rPr lang="en-US" dirty="0" err="1" smtClean="0">
                 <a:latin typeface="Consolas"/>
                 <a:cs typeface="Consolas"/>
               </a:rPr>
-              <a:t>calcFn</a:t>
+              <a:t>tensFn</a:t>
             </a:r>
             <a:r>
               <a:rPr lang="en-US" dirty="0" smtClean="0">
@@ -8292,18 +8313,18 @@
               <a:t>.applyTension</a:t>
             </a:r>
             <a:r>
-              <a:rPr lang="en-US" dirty="0">
+              <a:rPr lang="en-US" dirty="0" smtClean="0">
                 <a:latin typeface="Consolas"/>
                 <a:cs typeface="Consolas"/>
               </a:rPr>
               <a:t>(</a:t>
             </a:r>
             <a:r>
-              <a:rPr lang="en-US" dirty="0" err="1">
-                <a:latin typeface="Consolas"/>
-                <a:cs typeface="Consolas"/>
-              </a:rPr>
-              <a:t>calcFn</a:t>
+              <a:rPr lang="en-US" dirty="0" err="1" smtClean="0">
+                <a:latin typeface="Consolas"/>
+                <a:cs typeface="Consolas"/>
+              </a:rPr>
+              <a:t>tensFn</a:t>
             </a:r>
             <a:r>
               <a:rPr lang="en-US" dirty="0">
@@ -9115,7 +9136,7 @@
         <p:spPr>
           <a:xfrm>
             <a:off x="146477" y="1481919"/>
-            <a:ext cx="9830035" cy="5632312"/>
+            <a:ext cx="9449297" cy="5632312"/>
           </a:xfrm>
           <a:prstGeom prst="rect">
             <a:avLst/>
@@ -9285,21 +9306,21 @@
                 <a:latin typeface="Consolas"/>
                 <a:cs typeface="Consolas"/>
               </a:rPr>
-              <a:t>((</a:t>
+              <a:t>((0,0),(</a:t>
             </a:r>
             <a:r>
               <a:rPr lang="pl-PL" dirty="0">
                 <a:latin typeface="Consolas"/>
                 <a:cs typeface="Consolas"/>
               </a:rPr>
-              <a:t>25f</a:t>
+              <a:t>12f</a:t>
             </a:r>
             <a:r>
               <a:rPr lang="pl-PL" dirty="0" smtClean="0">
                 <a:latin typeface="Consolas"/>
                 <a:cs typeface="Consolas"/>
               </a:rPr>
-              <a:t>,401f</a:t>
+              <a:t>,400f</a:t>
             </a:r>
             <a:r>
               <a:rPr lang="pl-PL" dirty="0">
@@ -9320,7 +9341,7 @@
                 <a:latin typeface="Consolas"/>
                 <a:cs typeface="Consolas"/>
               </a:rPr>
-              <a:t>12f</a:t>
+              <a:t>0f</a:t>
             </a:r>
             <a:r>
               <a:rPr lang="pl-PL" dirty="0" smtClean="0">
@@ -9341,49 +9362,7 @@
                 <a:latin typeface="Consolas"/>
                 <a:cs typeface="Consolas"/>
               </a:rPr>
-              <a:t>,(</a:t>
-            </a:r>
-            <a:r>
-              <a:rPr lang="pl-PL" dirty="0">
-                <a:latin typeface="Consolas"/>
-                <a:cs typeface="Consolas"/>
-              </a:rPr>
-              <a:t>0f</a:t>
-            </a:r>
-            <a:r>
-              <a:rPr lang="pl-PL" dirty="0" smtClean="0">
-                <a:latin typeface="Consolas"/>
-                <a:cs typeface="Consolas"/>
-              </a:rPr>
-              <a:t>,400f</a:t>
-            </a:r>
-            <a:r>
-              <a:rPr lang="pl-PL" dirty="0">
-                <a:latin typeface="Consolas"/>
-                <a:cs typeface="Consolas"/>
-              </a:rPr>
-              <a:t>)</a:t>
-            </a:r>
-            <a:r>
-              <a:rPr lang="pl-PL" dirty="0" smtClean="0">
-                <a:latin typeface="Consolas"/>
-                <a:cs typeface="Consolas"/>
-              </a:rPr>
-              <a:t>,(</a:t>
-            </a:r>
-            <a:r>
-              <a:rPr lang="pl-PL" dirty="0">
-                <a:latin typeface="Consolas"/>
-                <a:cs typeface="Consolas"/>
-              </a:rPr>
-              <a:t>-10f</a:t>
-            </a:r>
-            <a:r>
-              <a:rPr lang="pl-PL" dirty="0" smtClean="0">
-                <a:latin typeface="Consolas"/>
-                <a:cs typeface="Consolas"/>
-              </a:rPr>
-              <a:t>,401f</a:t>
+              <a:t>,(-10f,401f</a:t>
             </a:r>
             <a:r>
               <a:rPr lang="pl-PL" dirty="0">
@@ -9913,7 +9892,7 @@
                 <a:latin typeface="Consolas"/>
                 <a:cs typeface="Consolas"/>
               </a:rPr>
-              <a:t>// Parse and validate 128*21=2688 alternatives at compile-time</a:t>
+              <a:t>// Parse and validate the model at compile-time</a:t>
             </a:r>
           </a:p>
           <a:p>
@@ -10405,9 +10384,16 @@
             <p:ph sz="quarter" idx="1"/>
           </p:nvPr>
         </p:nvSpPr>
-        <p:spPr/>
-        <p:txBody>
-          <a:bodyPr/>
+        <p:spPr>
+          <a:xfrm>
+            <a:off x="612648" y="1600200"/>
+            <a:ext cx="8153400" cy="4950326"/>
+          </a:xfrm>
+        </p:spPr>
+        <p:txBody>
+          <a:bodyPr>
+            <a:normAutofit lnSpcReduction="10000"/>
+          </a:bodyPr>
           <a:lstStyle/>
           <a:p>
             <a:r>
@@ -10444,38 +10430,29 @@
           <a:p>
             <a:r>
               <a:rPr lang="en-US" dirty="0" smtClean="0"/>
-              <a:t>Project Morpheus: a proof-of-concept of OM</a:t>
+              <a:t>Downsides and future work: </a:t>
             </a:r>
           </a:p>
           <a:p>
             <a:pPr lvl="1"/>
             <a:r>
-              <a:rPr lang="en-US" dirty="0"/>
-              <a:t>https://</a:t>
-            </a:r>
-            <a:r>
-              <a:rPr lang="en-US" dirty="0" err="1"/>
-              <a:t>github.com</a:t>
-            </a:r>
-            <a:r>
-              <a:rPr lang="en-US" dirty="0"/>
-              <a:t>/</a:t>
-            </a:r>
-            <a:r>
-              <a:rPr lang="en-US" dirty="0" err="1"/>
-              <a:t>zslajchrt</a:t>
-            </a:r>
-            <a:r>
-              <a:rPr lang="en-US" dirty="0"/>
-              <a:t>/</a:t>
-            </a:r>
-            <a:r>
-              <a:rPr lang="en-US" dirty="0" err="1"/>
-              <a:t>morpheus</a:t>
-            </a:r>
-            <a:endParaRPr lang="en-US" dirty="0" smtClean="0"/>
-          </a:p>
-          <a:p>
+              <a:rPr lang="en-US" dirty="0" smtClean="0"/>
+              <a:t>Compilation time, 10.000 alts ~ 2 minute</a:t>
+            </a:r>
+          </a:p>
+          <a:p>
+            <a:pPr lvl="1"/>
+            <a:r>
+              <a:rPr lang="en-US" dirty="0" smtClean="0"/>
+              <a:t>To tackle the performance issues</a:t>
+            </a:r>
+          </a:p>
+          <a:p>
+            <a:pPr lvl="1"/>
+            <a:r>
+              <a:rPr lang="en-US" dirty="0" smtClean="0"/>
+              <a:t>Intelligent elimination of alternatives to speed up</a:t>
+            </a:r>
             <a:endParaRPr lang="en-US" dirty="0"/>
           </a:p>
         </p:txBody>
@@ -11212,6 +11189,112 @@
 </p:sld>
 </file>
 
+<file path=ppt/slides/slide23.xml><?xml version="1.0" encoding="utf-8"?>
+<p:sld xmlns:a="http://schemas.openxmlformats.org/drawingml/2006/main" xmlns:r="http://schemas.openxmlformats.org/officeDocument/2006/relationships" xmlns:p="http://schemas.openxmlformats.org/presentationml/2006/main">
+  <p:cSld>
+    <p:spTree>
+      <p:nvGrpSpPr>
+        <p:cNvPr id="1" name=""/>
+        <p:cNvGrpSpPr/>
+        <p:nvPr/>
+      </p:nvGrpSpPr>
+      <p:grpSpPr>
+        <a:xfrm>
+          <a:off x="0" y="0"/>
+          <a:ext cx="0" cy="0"/>
+          <a:chOff x="0" y="0"/>
+          <a:chExt cx="0" cy="0"/>
+        </a:xfrm>
+      </p:grpSpPr>
+      <p:sp>
+        <p:nvSpPr>
+          <p:cNvPr id="2" name="Title 1"/>
+          <p:cNvSpPr>
+            <a:spLocks noGrp="1"/>
+          </p:cNvSpPr>
+          <p:nvPr>
+            <p:ph type="title"/>
+          </p:nvPr>
+        </p:nvSpPr>
+        <p:spPr/>
+        <p:txBody>
+          <a:bodyPr/>
+          <a:lstStyle/>
+          <a:p>
+            <a:r>
+              <a:rPr lang="en-US" dirty="0" smtClean="0"/>
+              <a:t>Appendix 3: Morpheus</a:t>
+            </a:r>
+            <a:endParaRPr lang="en-US" dirty="0"/>
+          </a:p>
+        </p:txBody>
+      </p:sp>
+      <p:sp>
+        <p:nvSpPr>
+          <p:cNvPr id="3" name="Content Placeholder 2"/>
+          <p:cNvSpPr>
+            <a:spLocks noGrp="1"/>
+          </p:cNvSpPr>
+          <p:nvPr>
+            <p:ph sz="quarter" idx="1"/>
+          </p:nvPr>
+        </p:nvSpPr>
+        <p:spPr/>
+        <p:txBody>
+          <a:bodyPr/>
+          <a:lstStyle/>
+          <a:p>
+            <a:r>
+              <a:rPr lang="en-US" dirty="0"/>
+              <a:t>Project Morpheus: a proof-of-concept of OM</a:t>
+            </a:r>
+          </a:p>
+          <a:p>
+            <a:pPr lvl="1"/>
+            <a:r>
+              <a:rPr lang="en-US" dirty="0"/>
+              <a:t>https://</a:t>
+            </a:r>
+            <a:r>
+              <a:rPr lang="en-US" dirty="0" err="1"/>
+              <a:t>github.com</a:t>
+            </a:r>
+            <a:r>
+              <a:rPr lang="en-US" dirty="0"/>
+              <a:t>/</a:t>
+            </a:r>
+            <a:r>
+              <a:rPr lang="en-US" dirty="0" err="1"/>
+              <a:t>zslajchrt</a:t>
+            </a:r>
+            <a:r>
+              <a:rPr lang="en-US" dirty="0"/>
+              <a:t>/</a:t>
+            </a:r>
+            <a:r>
+              <a:rPr lang="en-US" dirty="0" err="1"/>
+              <a:t>morpheus</a:t>
+            </a:r>
+            <a:endParaRPr lang="en-US" dirty="0"/>
+          </a:p>
+          <a:p>
+            <a:endParaRPr lang="en-US" dirty="0"/>
+          </a:p>
+        </p:txBody>
+      </p:sp>
+    </p:spTree>
+    <p:extLst>
+      <p:ext uri="{BB962C8B-B14F-4D97-AF65-F5344CB8AC3E}">
+        <p14:creationId xmlns:p14="http://schemas.microsoft.com/office/powerpoint/2010/main" val="591805841"/>
+      </p:ext>
+    </p:extLst>
+  </p:cSld>
+  <p:clrMapOvr>
+    <a:masterClrMapping/>
+  </p:clrMapOvr>
+</p:sld>
+</file>
+
 <file path=ppt/slides/slide3.xml><?xml version="1.0" encoding="utf-8"?>
 <p:sld xmlns:a="http://schemas.openxmlformats.org/drawingml/2006/main" xmlns:r="http://schemas.openxmlformats.org/officeDocument/2006/relationships" xmlns:p="http://schemas.openxmlformats.org/presentationml/2006/main">
   <p:cSld>
@@ -11914,7 +11997,14 @@
             <a:pPr lvl="1"/>
             <a:r>
               <a:rPr lang="en-US" dirty="0" smtClean="0"/>
-              <a:t>An analogy to a class</a:t>
+              <a:t>Describes all possible alternative “shapes” of the object</a:t>
+            </a:r>
+          </a:p>
+          <a:p>
+            <a:pPr lvl="1"/>
+            <a:r>
+              <a:rPr lang="en-US" dirty="0" smtClean="0"/>
+              <a:t>Each alternative consists of a list of traits</a:t>
             </a:r>
           </a:p>
           <a:p>
@@ -11922,13 +12012,6 @@
             <a:r>
               <a:rPr lang="en-US" b="1" dirty="0" smtClean="0"/>
               <a:t>Verified at compile-time</a:t>
-            </a:r>
-          </a:p>
-          <a:p>
-            <a:pPr lvl="1"/>
-            <a:r>
-              <a:rPr lang="en-US" dirty="0" smtClean="0"/>
-              <a:t>All alternative “shapes” of the object</a:t>
             </a:r>
           </a:p>
           <a:p>

--- a/src/main/doc/papers/sdot2015.pptx
+++ b/src/main/doc/papers/sdot2015.pptx
@@ -214,7 +214,7 @@
           <a:p>
             <a:fld id="{D0AA1769-DD2B-594B-860D-8BE1E76F7C98}" type="datetimeFigureOut">
               <a:rPr lang="en-US" smtClean="0"/>
-              <a:t>18/11/15</a:t>
+              <a:t>19/11/15</a:t>
             </a:fld>
             <a:endParaRPr lang="en-US"/>
           </a:p>
@@ -2162,7 +2162,7 @@
             <a:fld id="{23A271A1-F6D6-438B-A432-4747EE7ECD40}" type="datetimeFigureOut">
               <a:rPr lang="en-US" smtClean="0"/>
               <a:pPr algn="ctr" eaLnBrk="1" latinLnBrk="0" hangingPunct="1"/>
-              <a:t>17/11/15</a:t>
+              <a:t>19/11/15</a:t>
             </a:fld>
             <a:endParaRPr lang="en-US" sz="2000" dirty="0">
               <a:solidFill>
@@ -2369,7 +2369,7 @@
             <a:fld id="{23A271A1-F6D6-438B-A432-4747EE7ECD40}" type="datetimeFigureOut">
               <a:rPr lang="en-US" smtClean="0"/>
               <a:pPr eaLnBrk="1" latinLnBrk="0" hangingPunct="1"/>
-              <a:t>17/11/15</a:t>
+              <a:t>19/11/15</a:t>
             </a:fld>
             <a:endParaRPr lang="en-US"/>
           </a:p>
@@ -2557,7 +2557,7 @@
             <a:fld id="{23A271A1-F6D6-438B-A432-4747EE7ECD40}" type="datetimeFigureOut">
               <a:rPr lang="en-US" smtClean="0"/>
               <a:pPr eaLnBrk="1" latinLnBrk="0" hangingPunct="1"/>
-              <a:t>17/11/15</a:t>
+              <a:t>19/11/15</a:t>
             </a:fld>
             <a:endParaRPr lang="en-US" dirty="0"/>
           </a:p>
@@ -2823,7 +2823,7 @@
             <a:fld id="{23A271A1-F6D6-438B-A432-4747EE7ECD40}" type="datetimeFigureOut">
               <a:rPr lang="en-US" smtClean="0"/>
               <a:pPr eaLnBrk="1" latinLnBrk="0" hangingPunct="1"/>
-              <a:t>17/11/15</a:t>
+              <a:t>19/11/15</a:t>
             </a:fld>
             <a:endParaRPr lang="en-US" dirty="0"/>
           </a:p>
@@ -3246,7 +3246,7 @@
             <a:fld id="{23A271A1-F6D6-438B-A432-4747EE7ECD40}" type="datetimeFigureOut">
               <a:rPr lang="en-US" smtClean="0"/>
               <a:pPr eaLnBrk="1" latinLnBrk="0" hangingPunct="1"/>
-              <a:t>17/11/15</a:t>
+              <a:t>19/11/15</a:t>
             </a:fld>
             <a:endParaRPr lang="en-US"/>
           </a:p>
@@ -3496,7 +3496,7 @@
             <a:fld id="{23A271A1-F6D6-438B-A432-4747EE7ECD40}" type="datetimeFigureOut">
               <a:rPr lang="en-US" smtClean="0"/>
               <a:pPr eaLnBrk="1" latinLnBrk="0" hangingPunct="1"/>
-              <a:t>17/11/15</a:t>
+              <a:t>19/11/15</a:t>
             </a:fld>
             <a:endParaRPr lang="en-US"/>
           </a:p>
@@ -3736,7 +3736,7 @@
             <a:fld id="{23A271A1-F6D6-438B-A432-4747EE7ECD40}" type="datetimeFigureOut">
               <a:rPr lang="en-US" smtClean="0"/>
               <a:pPr eaLnBrk="1" latinLnBrk="0" hangingPunct="1"/>
-              <a:t>17/11/15</a:t>
+              <a:t>19/11/15</a:t>
             </a:fld>
             <a:endParaRPr lang="en-US"/>
           </a:p>
@@ -3935,7 +3935,7 @@
             <a:fld id="{23A271A1-F6D6-438B-A432-4747EE7ECD40}" type="datetimeFigureOut">
               <a:rPr lang="en-US" smtClean="0"/>
               <a:pPr eaLnBrk="1" latinLnBrk="0" hangingPunct="1"/>
-              <a:t>17/11/15</a:t>
+              <a:t>19/11/15</a:t>
             </a:fld>
             <a:endParaRPr lang="en-US"/>
           </a:p>
@@ -4040,7 +4040,7 @@
             <a:fld id="{23A271A1-F6D6-438B-A432-4747EE7ECD40}" type="datetimeFigureOut">
               <a:rPr lang="en-US" smtClean="0"/>
               <a:pPr eaLnBrk="1" latinLnBrk="0" hangingPunct="1"/>
-              <a:t>17/11/15</a:t>
+              <a:t>19/11/15</a:t>
             </a:fld>
             <a:endParaRPr lang="en-US"/>
           </a:p>
@@ -4183,7 +4183,7 @@
             <a:fld id="{23A271A1-F6D6-438B-A432-4747EE7ECD40}" type="datetimeFigureOut">
               <a:rPr lang="en-US" smtClean="0"/>
               <a:pPr eaLnBrk="1" latinLnBrk="0" hangingPunct="1"/>
-              <a:t>17/11/15</a:t>
+              <a:t>19/11/15</a:t>
             </a:fld>
             <a:endParaRPr lang="en-US"/>
           </a:p>
@@ -4708,7 +4708,7 @@
             <a:fld id="{23A271A1-F6D6-438B-A432-4747EE7ECD40}" type="datetimeFigureOut">
               <a:rPr lang="en-US" smtClean="0"/>
               <a:pPr eaLnBrk="1" latinLnBrk="0" hangingPunct="1"/>
-              <a:t>17/11/15</a:t>
+              <a:t>19/11/15</a:t>
             </a:fld>
             <a:endParaRPr lang="en-US"/>
           </a:p>
@@ -4973,7 +4973,7 @@
             <a:fld id="{23A271A1-F6D6-438B-A432-4747EE7ECD40}" type="datetimeFigureOut">
               <a:rPr lang="en-US" smtClean="0"/>
               <a:pPr eaLnBrk="1" latinLnBrk="0" hangingPunct="1"/>
-              <a:t>17/11/15</a:t>
+              <a:t>19/11/15</a:t>
             </a:fld>
             <a:endParaRPr lang="en-US" sz="1400" dirty="0">
               <a:solidFill>
@@ -5597,11 +5597,7 @@
           <a:p>
             <a:r>
               <a:rPr lang="en-US" sz="2400" dirty="0" smtClean="0"/>
-              <a:t>Zbyněk </a:t>
-            </a:r>
-            <a:r>
-              <a:rPr lang="en-US" sz="2400" dirty="0" smtClean="0"/>
-              <a:t>Šlajchrt</a:t>
+              <a:t>Zbyněk Šlajchrt</a:t>
             </a:r>
             <a:endParaRPr lang="en-US" sz="2400" dirty="0"/>
           </a:p>
@@ -6591,6 +6587,27 @@
             </a:r>
           </a:p>
           <a:p>
+            <a:r>
+              <a:rPr lang="en-US" dirty="0" smtClean="0">
+                <a:latin typeface="Consolas"/>
+                <a:cs typeface="Consolas"/>
+              </a:rPr>
+              <a:t>/</a:t>
+            </a:r>
+            <a:r>
+              <a:rPr lang="en-US" dirty="0">
+                <a:latin typeface="Consolas"/>
+                <a:cs typeface="Consolas"/>
+              </a:rPr>
+              <a:t>/ </a:t>
+            </a:r>
+            <a:r>
+              <a:rPr lang="en-US" dirty="0" smtClean="0">
+                <a:latin typeface="Consolas"/>
+                <a:cs typeface="Consolas"/>
+              </a:rPr>
+              <a:t>Emotions2D is Emotions1D “squared”</a:t>
+            </a:r>
             <a:endParaRPr lang="en-US" dirty="0" smtClean="0">
               <a:latin typeface="Consolas"/>
               <a:cs typeface="Consolas"/>
@@ -6630,11 +6647,29 @@
                 <a:latin typeface="Consolas"/>
                 <a:cs typeface="Consolas"/>
               </a:rPr>
-              <a:t>BasicEmotions1D</a:t>
-            </a:r>
-          </a:p>
-          <a:p>
-            <a:endParaRPr lang="en-US" b="1" dirty="0" smtClean="0">
+              <a:t>Emotions1D</a:t>
+            </a:r>
+            <a:endParaRPr lang="en-US" dirty="0" smtClean="0">
+              <a:latin typeface="Consolas"/>
+              <a:cs typeface="Consolas"/>
+            </a:endParaRPr>
+          </a:p>
+          <a:p>
+            <a:r>
+              <a:rPr lang="en-US" dirty="0" smtClean="0">
+                <a:latin typeface="Consolas"/>
+                <a:cs typeface="Consolas"/>
+              </a:rPr>
+              <a:t>// Accompany Emotions2D by additional traits to complete </a:t>
+            </a:r>
+            <a:r>
+              <a:rPr lang="en-US" dirty="0" err="1" smtClean="0">
+                <a:latin typeface="Consolas"/>
+                <a:cs typeface="Consolas"/>
+              </a:rPr>
+              <a:t>deps</a:t>
+            </a:r>
+            <a:endParaRPr lang="en-US" dirty="0" smtClean="0">
               <a:latin typeface="Consolas"/>
               <a:cs typeface="Consolas"/>
             </a:endParaRPr>
@@ -7833,7 +7868,7 @@
         <p:spPr>
           <a:xfrm>
             <a:off x="612648" y="1532811"/>
-            <a:ext cx="7860392" cy="4801315"/>
+            <a:ext cx="7860392" cy="5078314"/>
           </a:xfrm>
           <a:prstGeom prst="rect">
             <a:avLst/>
@@ -8140,7 +8175,28 @@
                 <a:latin typeface="Consolas"/>
                 <a:cs typeface="Consolas"/>
               </a:rPr>
-              <a:t> Muscle(Line("m0", (136f, 144f), (140f, 140f)))</a:t>
+              <a:t> </a:t>
+            </a:r>
+            <a:r>
+              <a:rPr lang="en-US" dirty="0" err="1" smtClean="0">
+                <a:latin typeface="Consolas"/>
+                <a:cs typeface="Consolas"/>
+              </a:rPr>
+              <a:t>MuscleData</a:t>
+            </a:r>
+            <a:r>
+              <a:rPr lang="en-US" dirty="0" smtClean="0">
+                <a:latin typeface="Consolas"/>
+                <a:cs typeface="Consolas"/>
+              </a:rPr>
+              <a:t>(Line</a:t>
+            </a:r>
+            <a:r>
+              <a:rPr lang="en-US" dirty="0">
+                <a:latin typeface="Consolas"/>
+                <a:cs typeface="Consolas"/>
+              </a:rPr>
+              <a:t>("m0", (136f, 144f), (140f, 140f)))</a:t>
             </a:r>
           </a:p>
           <a:p>

--- a/src/main/doc/papers/sdot2015.pptx
+++ b/src/main/doc/papers/sdot2015.pptx
@@ -214,7 +214,7 @@
           <a:p>
             <a:fld id="{D0AA1769-DD2B-594B-860D-8BE1E76F7C98}" type="datetimeFigureOut">
               <a:rPr lang="en-US" smtClean="0"/>
-              <a:t>19/11/15</a:t>
+              <a:t>19/12/15</a:t>
             </a:fld>
             <a:endParaRPr lang="en-US"/>
           </a:p>
@@ -2162,7 +2162,7 @@
             <a:fld id="{23A271A1-F6D6-438B-A432-4747EE7ECD40}" type="datetimeFigureOut">
               <a:rPr lang="en-US" smtClean="0"/>
               <a:pPr algn="ctr" eaLnBrk="1" latinLnBrk="0" hangingPunct="1"/>
-              <a:t>19/11/15</a:t>
+              <a:t>19/12/15</a:t>
             </a:fld>
             <a:endParaRPr lang="en-US" sz="2000" dirty="0">
               <a:solidFill>
@@ -2369,7 +2369,7 @@
             <a:fld id="{23A271A1-F6D6-438B-A432-4747EE7ECD40}" type="datetimeFigureOut">
               <a:rPr lang="en-US" smtClean="0"/>
               <a:pPr eaLnBrk="1" latinLnBrk="0" hangingPunct="1"/>
-              <a:t>19/11/15</a:t>
+              <a:t>19/12/15</a:t>
             </a:fld>
             <a:endParaRPr lang="en-US"/>
           </a:p>
@@ -2557,7 +2557,7 @@
             <a:fld id="{23A271A1-F6D6-438B-A432-4747EE7ECD40}" type="datetimeFigureOut">
               <a:rPr lang="en-US" smtClean="0"/>
               <a:pPr eaLnBrk="1" latinLnBrk="0" hangingPunct="1"/>
-              <a:t>19/11/15</a:t>
+              <a:t>19/12/15</a:t>
             </a:fld>
             <a:endParaRPr lang="en-US" dirty="0"/>
           </a:p>
@@ -2823,7 +2823,7 @@
             <a:fld id="{23A271A1-F6D6-438B-A432-4747EE7ECD40}" type="datetimeFigureOut">
               <a:rPr lang="en-US" smtClean="0"/>
               <a:pPr eaLnBrk="1" latinLnBrk="0" hangingPunct="1"/>
-              <a:t>19/11/15</a:t>
+              <a:t>19/12/15</a:t>
             </a:fld>
             <a:endParaRPr lang="en-US" dirty="0"/>
           </a:p>
@@ -3246,7 +3246,7 @@
             <a:fld id="{23A271A1-F6D6-438B-A432-4747EE7ECD40}" type="datetimeFigureOut">
               <a:rPr lang="en-US" smtClean="0"/>
               <a:pPr eaLnBrk="1" latinLnBrk="0" hangingPunct="1"/>
-              <a:t>19/11/15</a:t>
+              <a:t>19/12/15</a:t>
             </a:fld>
             <a:endParaRPr lang="en-US"/>
           </a:p>
@@ -3496,7 +3496,7 @@
             <a:fld id="{23A271A1-F6D6-438B-A432-4747EE7ECD40}" type="datetimeFigureOut">
               <a:rPr lang="en-US" smtClean="0"/>
               <a:pPr eaLnBrk="1" latinLnBrk="0" hangingPunct="1"/>
-              <a:t>19/11/15</a:t>
+              <a:t>19/12/15</a:t>
             </a:fld>
             <a:endParaRPr lang="en-US"/>
           </a:p>
@@ -3736,7 +3736,7 @@
             <a:fld id="{23A271A1-F6D6-438B-A432-4747EE7ECD40}" type="datetimeFigureOut">
               <a:rPr lang="en-US" smtClean="0"/>
               <a:pPr eaLnBrk="1" latinLnBrk="0" hangingPunct="1"/>
-              <a:t>19/11/15</a:t>
+              <a:t>19/12/15</a:t>
             </a:fld>
             <a:endParaRPr lang="en-US"/>
           </a:p>
@@ -3935,7 +3935,7 @@
             <a:fld id="{23A271A1-F6D6-438B-A432-4747EE7ECD40}" type="datetimeFigureOut">
               <a:rPr lang="en-US" smtClean="0"/>
               <a:pPr eaLnBrk="1" latinLnBrk="0" hangingPunct="1"/>
-              <a:t>19/11/15</a:t>
+              <a:t>19/12/15</a:t>
             </a:fld>
             <a:endParaRPr lang="en-US"/>
           </a:p>
@@ -4040,7 +4040,7 @@
             <a:fld id="{23A271A1-F6D6-438B-A432-4747EE7ECD40}" type="datetimeFigureOut">
               <a:rPr lang="en-US" smtClean="0"/>
               <a:pPr eaLnBrk="1" latinLnBrk="0" hangingPunct="1"/>
-              <a:t>19/11/15</a:t>
+              <a:t>19/12/15</a:t>
             </a:fld>
             <a:endParaRPr lang="en-US"/>
           </a:p>
@@ -4183,7 +4183,7 @@
             <a:fld id="{23A271A1-F6D6-438B-A432-4747EE7ECD40}" type="datetimeFigureOut">
               <a:rPr lang="en-US" smtClean="0"/>
               <a:pPr eaLnBrk="1" latinLnBrk="0" hangingPunct="1"/>
-              <a:t>19/11/15</a:t>
+              <a:t>19/12/15</a:t>
             </a:fld>
             <a:endParaRPr lang="en-US"/>
           </a:p>
@@ -4708,7 +4708,7 @@
             <a:fld id="{23A271A1-F6D6-438B-A432-4747EE7ECD40}" type="datetimeFigureOut">
               <a:rPr lang="en-US" smtClean="0"/>
               <a:pPr eaLnBrk="1" latinLnBrk="0" hangingPunct="1"/>
-              <a:t>19/11/15</a:t>
+              <a:t>19/12/15</a:t>
             </a:fld>
             <a:endParaRPr lang="en-US"/>
           </a:p>
@@ -4973,7 +4973,7 @@
             <a:fld id="{23A271A1-F6D6-438B-A432-4747EE7ECD40}" type="datetimeFigureOut">
               <a:rPr lang="en-US" smtClean="0"/>
               <a:pPr eaLnBrk="1" latinLnBrk="0" hangingPunct="1"/>
-              <a:t>19/11/15</a:t>
+              <a:t>19/12/15</a:t>
             </a:fld>
             <a:endParaRPr lang="en-US" sz="1400" dirty="0">
               <a:solidFill>
@@ -6608,10 +6608,6 @@
               </a:rPr>
               <a:t>Emotions2D is Emotions1D “squared”</a:t>
             </a:r>
-            <a:endParaRPr lang="en-US" dirty="0" smtClean="0">
-              <a:latin typeface="Consolas"/>
-              <a:cs typeface="Consolas"/>
-            </a:endParaRPr>
           </a:p>
           <a:p>
             <a:r>
@@ -6649,10 +6645,6 @@
               </a:rPr>
               <a:t>Emotions1D</a:t>
             </a:r>
-            <a:endParaRPr lang="en-US" dirty="0" smtClean="0">
-              <a:latin typeface="Consolas"/>
-              <a:cs typeface="Consolas"/>
-            </a:endParaRPr>
           </a:p>
           <a:p>
             <a:r>
